--- a/.lessons (az)/68 Uİ (на русском)/1 UI.pptx
+++ b/.lessons (az)/68 Uİ (на русском)/1 UI.pptx
@@ -5,7 +5,7 @@
     <p:sldMasterId id="2147483648" r:id="rId1"/>
   </p:sldMasterIdLst>
   <p:notesMasterIdLst>
-    <p:notesMasterId r:id="rId16"/>
+    <p:notesMasterId r:id="rId19"/>
   </p:notesMasterIdLst>
   <p:sldIdLst>
     <p:sldId id="590" r:id="rId2"/>
@@ -22,6 +22,9 @@
     <p:sldId id="607" r:id="rId13"/>
     <p:sldId id="609" r:id="rId14"/>
     <p:sldId id="610" r:id="rId15"/>
+    <p:sldId id="611" r:id="rId16"/>
+    <p:sldId id="612" r:id="rId17"/>
+    <p:sldId id="613" r:id="rId18"/>
   </p:sldIdLst>
   <p:sldSz cx="12192000" cy="6858000"/>
   <p:notesSz cx="6858000" cy="9144000"/>
@@ -210,7 +213,7 @@
           <a:p>
             <a:fld id="{1B030278-45DC-4534-B67E-11EB3832C02B}" type="datetimeFigureOut">
               <a:rPr lang="en-US" smtClean="0"/>
-              <a:t>4/7/2025</a:t>
+              <a:t>4/8/2025</a:t>
             </a:fld>
             <a:endParaRPr lang="en-US"/>
           </a:p>
@@ -1125,6 +1128,330 @@
 </p:notes>
 </file>
 
+<file path=ppt/notesSlides/notesSlide15.xml><?xml version="1.0" encoding="utf-8"?>
+<p:notes xmlns:a="http://schemas.openxmlformats.org/drawingml/2006/main" xmlns:r="http://schemas.openxmlformats.org/officeDocument/2006/relationships" xmlns:p="http://schemas.openxmlformats.org/presentationml/2006/main">
+  <p:cSld>
+    <p:spTree>
+      <p:nvGrpSpPr>
+        <p:cNvPr id="1" name="">
+          <a:extLst>
+            <a:ext uri="{FF2B5EF4-FFF2-40B4-BE49-F238E27FC236}">
+              <a16:creationId xmlns:a16="http://schemas.microsoft.com/office/drawing/2014/main" id="{B3CB3EFA-CE42-1F11-4FE6-5A20F5574691}"/>
+            </a:ext>
+          </a:extLst>
+        </p:cNvPr>
+        <p:cNvGrpSpPr/>
+        <p:nvPr/>
+      </p:nvGrpSpPr>
+      <p:grpSpPr>
+        <a:xfrm>
+          <a:off x="0" y="0"/>
+          <a:ext cx="0" cy="0"/>
+          <a:chOff x="0" y="0"/>
+          <a:chExt cx="0" cy="0"/>
+        </a:xfrm>
+      </p:grpSpPr>
+      <p:sp>
+        <p:nvSpPr>
+          <p:cNvPr id="2" name="Slide Image Placeholder 1">
+            <a:extLst>
+              <a:ext uri="{FF2B5EF4-FFF2-40B4-BE49-F238E27FC236}">
+                <a16:creationId xmlns:a16="http://schemas.microsoft.com/office/drawing/2014/main" id="{ECA05389-37B4-F27B-B3AE-7116D1A4A43B}"/>
+              </a:ext>
+            </a:extLst>
+          </p:cNvPr>
+          <p:cNvSpPr>
+            <a:spLocks noGrp="1" noRot="1" noChangeAspect="1"/>
+          </p:cNvSpPr>
+          <p:nvPr>
+            <p:ph type="sldImg"/>
+          </p:nvPr>
+        </p:nvSpPr>
+        <p:spPr/>
+      </p:sp>
+      <p:sp>
+        <p:nvSpPr>
+          <p:cNvPr id="3" name="Notes Placeholder 2">
+            <a:extLst>
+              <a:ext uri="{FF2B5EF4-FFF2-40B4-BE49-F238E27FC236}">
+                <a16:creationId xmlns:a16="http://schemas.microsoft.com/office/drawing/2014/main" id="{B969D91C-6C98-789F-02E6-6920B2327732}"/>
+              </a:ext>
+            </a:extLst>
+          </p:cNvPr>
+          <p:cNvSpPr>
+            <a:spLocks noGrp="1"/>
+          </p:cNvSpPr>
+          <p:nvPr>
+            <p:ph type="body" idx="1"/>
+          </p:nvPr>
+        </p:nvSpPr>
+        <p:spPr/>
+        <p:txBody>
+          <a:bodyPr/>
+          <a:lstStyle/>
+          <a:p>
+            <a:endParaRPr lang="en-US"/>
+          </a:p>
+        </p:txBody>
+      </p:sp>
+      <p:sp>
+        <p:nvSpPr>
+          <p:cNvPr id="4" name="Slide Number Placeholder 3">
+            <a:extLst>
+              <a:ext uri="{FF2B5EF4-FFF2-40B4-BE49-F238E27FC236}">
+                <a16:creationId xmlns:a16="http://schemas.microsoft.com/office/drawing/2014/main" id="{45411AAC-2613-31C4-5B50-6E7CEADE79C3}"/>
+              </a:ext>
+            </a:extLst>
+          </p:cNvPr>
+          <p:cNvSpPr>
+            <a:spLocks noGrp="1"/>
+          </p:cNvSpPr>
+          <p:nvPr>
+            <p:ph type="sldNum" sz="quarter" idx="5"/>
+          </p:nvPr>
+        </p:nvSpPr>
+        <p:spPr/>
+        <p:txBody>
+          <a:bodyPr/>
+          <a:lstStyle/>
+          <a:p>
+            <a:fld id="{659E7695-2856-4E04-B435-7203877CB9AD}" type="slidenum">
+              <a:rPr lang="en-US" smtClean="0"/>
+              <a:t>15</a:t>
+            </a:fld>
+            <a:endParaRPr lang="en-US"/>
+          </a:p>
+        </p:txBody>
+      </p:sp>
+    </p:spTree>
+    <p:extLst>
+      <p:ext uri="{BB962C8B-B14F-4D97-AF65-F5344CB8AC3E}">
+        <p14:creationId xmlns:p14="http://schemas.microsoft.com/office/powerpoint/2010/main" val="1424716070"/>
+      </p:ext>
+    </p:extLst>
+  </p:cSld>
+  <p:clrMapOvr>
+    <a:masterClrMapping/>
+  </p:clrMapOvr>
+</p:notes>
+</file>
+
+<file path=ppt/notesSlides/notesSlide16.xml><?xml version="1.0" encoding="utf-8"?>
+<p:notes xmlns:a="http://schemas.openxmlformats.org/drawingml/2006/main" xmlns:r="http://schemas.openxmlformats.org/officeDocument/2006/relationships" xmlns:p="http://schemas.openxmlformats.org/presentationml/2006/main">
+  <p:cSld>
+    <p:spTree>
+      <p:nvGrpSpPr>
+        <p:cNvPr id="1" name="">
+          <a:extLst>
+            <a:ext uri="{FF2B5EF4-FFF2-40B4-BE49-F238E27FC236}">
+              <a16:creationId xmlns:a16="http://schemas.microsoft.com/office/drawing/2014/main" id="{A54D26BE-0BEB-5364-CC04-80152AB193F5}"/>
+            </a:ext>
+          </a:extLst>
+        </p:cNvPr>
+        <p:cNvGrpSpPr/>
+        <p:nvPr/>
+      </p:nvGrpSpPr>
+      <p:grpSpPr>
+        <a:xfrm>
+          <a:off x="0" y="0"/>
+          <a:ext cx="0" cy="0"/>
+          <a:chOff x="0" y="0"/>
+          <a:chExt cx="0" cy="0"/>
+        </a:xfrm>
+      </p:grpSpPr>
+      <p:sp>
+        <p:nvSpPr>
+          <p:cNvPr id="2" name="Slide Image Placeholder 1">
+            <a:extLst>
+              <a:ext uri="{FF2B5EF4-FFF2-40B4-BE49-F238E27FC236}">
+                <a16:creationId xmlns:a16="http://schemas.microsoft.com/office/drawing/2014/main" id="{C82844A4-6FCF-5319-5DF4-84134B9F2394}"/>
+              </a:ext>
+            </a:extLst>
+          </p:cNvPr>
+          <p:cNvSpPr>
+            <a:spLocks noGrp="1" noRot="1" noChangeAspect="1"/>
+          </p:cNvSpPr>
+          <p:nvPr>
+            <p:ph type="sldImg"/>
+          </p:nvPr>
+        </p:nvSpPr>
+        <p:spPr/>
+      </p:sp>
+      <p:sp>
+        <p:nvSpPr>
+          <p:cNvPr id="3" name="Notes Placeholder 2">
+            <a:extLst>
+              <a:ext uri="{FF2B5EF4-FFF2-40B4-BE49-F238E27FC236}">
+                <a16:creationId xmlns:a16="http://schemas.microsoft.com/office/drawing/2014/main" id="{DABAEEF9-C8F0-B99C-B6E2-51F319BE244E}"/>
+              </a:ext>
+            </a:extLst>
+          </p:cNvPr>
+          <p:cNvSpPr>
+            <a:spLocks noGrp="1"/>
+          </p:cNvSpPr>
+          <p:nvPr>
+            <p:ph type="body" idx="1"/>
+          </p:nvPr>
+        </p:nvSpPr>
+        <p:spPr/>
+        <p:txBody>
+          <a:bodyPr/>
+          <a:lstStyle/>
+          <a:p>
+            <a:endParaRPr lang="en-US"/>
+          </a:p>
+        </p:txBody>
+      </p:sp>
+      <p:sp>
+        <p:nvSpPr>
+          <p:cNvPr id="4" name="Slide Number Placeholder 3">
+            <a:extLst>
+              <a:ext uri="{FF2B5EF4-FFF2-40B4-BE49-F238E27FC236}">
+                <a16:creationId xmlns:a16="http://schemas.microsoft.com/office/drawing/2014/main" id="{E53EDA18-8ADB-FA7B-824D-08A9163A4B17}"/>
+              </a:ext>
+            </a:extLst>
+          </p:cNvPr>
+          <p:cNvSpPr>
+            <a:spLocks noGrp="1"/>
+          </p:cNvSpPr>
+          <p:nvPr>
+            <p:ph type="sldNum" sz="quarter" idx="5"/>
+          </p:nvPr>
+        </p:nvSpPr>
+        <p:spPr/>
+        <p:txBody>
+          <a:bodyPr/>
+          <a:lstStyle/>
+          <a:p>
+            <a:fld id="{659E7695-2856-4E04-B435-7203877CB9AD}" type="slidenum">
+              <a:rPr lang="en-US" smtClean="0"/>
+              <a:t>16</a:t>
+            </a:fld>
+            <a:endParaRPr lang="en-US"/>
+          </a:p>
+        </p:txBody>
+      </p:sp>
+    </p:spTree>
+    <p:extLst>
+      <p:ext uri="{BB962C8B-B14F-4D97-AF65-F5344CB8AC3E}">
+        <p14:creationId xmlns:p14="http://schemas.microsoft.com/office/powerpoint/2010/main" val="262782978"/>
+      </p:ext>
+    </p:extLst>
+  </p:cSld>
+  <p:clrMapOvr>
+    <a:masterClrMapping/>
+  </p:clrMapOvr>
+</p:notes>
+</file>
+
+<file path=ppt/notesSlides/notesSlide17.xml><?xml version="1.0" encoding="utf-8"?>
+<p:notes xmlns:a="http://schemas.openxmlformats.org/drawingml/2006/main" xmlns:r="http://schemas.openxmlformats.org/officeDocument/2006/relationships" xmlns:p="http://schemas.openxmlformats.org/presentationml/2006/main">
+  <p:cSld>
+    <p:spTree>
+      <p:nvGrpSpPr>
+        <p:cNvPr id="1" name="">
+          <a:extLst>
+            <a:ext uri="{FF2B5EF4-FFF2-40B4-BE49-F238E27FC236}">
+              <a16:creationId xmlns:a16="http://schemas.microsoft.com/office/drawing/2014/main" id="{740985B5-4E55-25A2-AB2B-6A807698943E}"/>
+            </a:ext>
+          </a:extLst>
+        </p:cNvPr>
+        <p:cNvGrpSpPr/>
+        <p:nvPr/>
+      </p:nvGrpSpPr>
+      <p:grpSpPr>
+        <a:xfrm>
+          <a:off x="0" y="0"/>
+          <a:ext cx="0" cy="0"/>
+          <a:chOff x="0" y="0"/>
+          <a:chExt cx="0" cy="0"/>
+        </a:xfrm>
+      </p:grpSpPr>
+      <p:sp>
+        <p:nvSpPr>
+          <p:cNvPr id="2" name="Slide Image Placeholder 1">
+            <a:extLst>
+              <a:ext uri="{FF2B5EF4-FFF2-40B4-BE49-F238E27FC236}">
+                <a16:creationId xmlns:a16="http://schemas.microsoft.com/office/drawing/2014/main" id="{6EC2A4CC-C33D-C5EC-EF62-9661CB1C1C71}"/>
+              </a:ext>
+            </a:extLst>
+          </p:cNvPr>
+          <p:cNvSpPr>
+            <a:spLocks noGrp="1" noRot="1" noChangeAspect="1"/>
+          </p:cNvSpPr>
+          <p:nvPr>
+            <p:ph type="sldImg"/>
+          </p:nvPr>
+        </p:nvSpPr>
+        <p:spPr/>
+      </p:sp>
+      <p:sp>
+        <p:nvSpPr>
+          <p:cNvPr id="3" name="Notes Placeholder 2">
+            <a:extLst>
+              <a:ext uri="{FF2B5EF4-FFF2-40B4-BE49-F238E27FC236}">
+                <a16:creationId xmlns:a16="http://schemas.microsoft.com/office/drawing/2014/main" id="{FAF1353B-B5D1-2AD2-A4C7-2ED2F0B330B3}"/>
+              </a:ext>
+            </a:extLst>
+          </p:cNvPr>
+          <p:cNvSpPr>
+            <a:spLocks noGrp="1"/>
+          </p:cNvSpPr>
+          <p:nvPr>
+            <p:ph type="body" idx="1"/>
+          </p:nvPr>
+        </p:nvSpPr>
+        <p:spPr/>
+        <p:txBody>
+          <a:bodyPr/>
+          <a:lstStyle/>
+          <a:p>
+            <a:endParaRPr lang="en-US"/>
+          </a:p>
+        </p:txBody>
+      </p:sp>
+      <p:sp>
+        <p:nvSpPr>
+          <p:cNvPr id="4" name="Slide Number Placeholder 3">
+            <a:extLst>
+              <a:ext uri="{FF2B5EF4-FFF2-40B4-BE49-F238E27FC236}">
+                <a16:creationId xmlns:a16="http://schemas.microsoft.com/office/drawing/2014/main" id="{4B6BC09A-6B54-73FA-5E5C-BA540C17CFDE}"/>
+              </a:ext>
+            </a:extLst>
+          </p:cNvPr>
+          <p:cNvSpPr>
+            <a:spLocks noGrp="1"/>
+          </p:cNvSpPr>
+          <p:nvPr>
+            <p:ph type="sldNum" sz="quarter" idx="5"/>
+          </p:nvPr>
+        </p:nvSpPr>
+        <p:spPr/>
+        <p:txBody>
+          <a:bodyPr/>
+          <a:lstStyle/>
+          <a:p>
+            <a:fld id="{659E7695-2856-4E04-B435-7203877CB9AD}" type="slidenum">
+              <a:rPr lang="en-US" smtClean="0"/>
+              <a:t>17</a:t>
+            </a:fld>
+            <a:endParaRPr lang="en-US"/>
+          </a:p>
+        </p:txBody>
+      </p:sp>
+    </p:spTree>
+    <p:extLst>
+      <p:ext uri="{BB962C8B-B14F-4D97-AF65-F5344CB8AC3E}">
+        <p14:creationId xmlns:p14="http://schemas.microsoft.com/office/powerpoint/2010/main" val="718727160"/>
+      </p:ext>
+    </p:extLst>
+  </p:cSld>
+  <p:clrMapOvr>
+    <a:masterClrMapping/>
+  </p:clrMapOvr>
+</p:notes>
+</file>
+
 <file path=ppt/notesSlides/notesSlide2.xml><?xml version="1.0" encoding="utf-8"?>
 <p:notes xmlns:a="http://schemas.openxmlformats.org/drawingml/2006/main" xmlns:r="http://schemas.openxmlformats.org/officeDocument/2006/relationships" xmlns:p="http://schemas.openxmlformats.org/presentationml/2006/main">
   <p:cSld>
@@ -2136,7 +2463,7 @@
           <a:p>
             <a:fld id="{CA16844A-366F-47C4-B77D-42DFAB3943AB}" type="datetimeFigureOut">
               <a:rPr lang="en-US" smtClean="0"/>
-              <a:t>4/7/2025</a:t>
+              <a:t>4/8/2025</a:t>
             </a:fld>
             <a:endParaRPr lang="en-US"/>
           </a:p>
@@ -2334,7 +2661,7 @@
           <a:p>
             <a:fld id="{CA16844A-366F-47C4-B77D-42DFAB3943AB}" type="datetimeFigureOut">
               <a:rPr lang="en-US" smtClean="0"/>
-              <a:t>4/7/2025</a:t>
+              <a:t>4/8/2025</a:t>
             </a:fld>
             <a:endParaRPr lang="en-US"/>
           </a:p>
@@ -2542,7 +2869,7 @@
           <a:p>
             <a:fld id="{CA16844A-366F-47C4-B77D-42DFAB3943AB}" type="datetimeFigureOut">
               <a:rPr lang="en-US" smtClean="0"/>
-              <a:t>4/7/2025</a:t>
+              <a:t>4/8/2025</a:t>
             </a:fld>
             <a:endParaRPr lang="en-US"/>
           </a:p>
@@ -2740,7 +3067,7 @@
           <a:p>
             <a:fld id="{CA16844A-366F-47C4-B77D-42DFAB3943AB}" type="datetimeFigureOut">
               <a:rPr lang="en-US" smtClean="0"/>
-              <a:t>4/7/2025</a:t>
+              <a:t>4/8/2025</a:t>
             </a:fld>
             <a:endParaRPr lang="en-US"/>
           </a:p>
@@ -3015,7 +3342,7 @@
           <a:p>
             <a:fld id="{CA16844A-366F-47C4-B77D-42DFAB3943AB}" type="datetimeFigureOut">
               <a:rPr lang="en-US" smtClean="0"/>
-              <a:t>4/7/2025</a:t>
+              <a:t>4/8/2025</a:t>
             </a:fld>
             <a:endParaRPr lang="en-US"/>
           </a:p>
@@ -3280,7 +3607,7 @@
           <a:p>
             <a:fld id="{CA16844A-366F-47C4-B77D-42DFAB3943AB}" type="datetimeFigureOut">
               <a:rPr lang="en-US" smtClean="0"/>
-              <a:t>4/7/2025</a:t>
+              <a:t>4/8/2025</a:t>
             </a:fld>
             <a:endParaRPr lang="en-US"/>
           </a:p>
@@ -3692,7 +4019,7 @@
           <a:p>
             <a:fld id="{CA16844A-366F-47C4-B77D-42DFAB3943AB}" type="datetimeFigureOut">
               <a:rPr lang="en-US" smtClean="0"/>
-              <a:t>4/7/2025</a:t>
+              <a:t>4/8/2025</a:t>
             </a:fld>
             <a:endParaRPr lang="en-US"/>
           </a:p>
@@ -3833,7 +4160,7 @@
           <a:p>
             <a:fld id="{CA16844A-366F-47C4-B77D-42DFAB3943AB}" type="datetimeFigureOut">
               <a:rPr lang="en-US" smtClean="0"/>
-              <a:t>4/7/2025</a:t>
+              <a:t>4/8/2025</a:t>
             </a:fld>
             <a:endParaRPr lang="en-US"/>
           </a:p>
@@ -3946,7 +4273,7 @@
           <a:p>
             <a:fld id="{CA16844A-366F-47C4-B77D-42DFAB3943AB}" type="datetimeFigureOut">
               <a:rPr lang="en-US" smtClean="0"/>
-              <a:t>4/7/2025</a:t>
+              <a:t>4/8/2025</a:t>
             </a:fld>
             <a:endParaRPr lang="en-US"/>
           </a:p>
@@ -4257,7 +4584,7 @@
           <a:p>
             <a:fld id="{CA16844A-366F-47C4-B77D-42DFAB3943AB}" type="datetimeFigureOut">
               <a:rPr lang="en-US" smtClean="0"/>
-              <a:t>4/7/2025</a:t>
+              <a:t>4/8/2025</a:t>
             </a:fld>
             <a:endParaRPr lang="en-US"/>
           </a:p>
@@ -4545,7 +4872,7 @@
           <a:p>
             <a:fld id="{CA16844A-366F-47C4-B77D-42DFAB3943AB}" type="datetimeFigureOut">
               <a:rPr lang="en-US" smtClean="0"/>
-              <a:t>4/7/2025</a:t>
+              <a:t>4/8/2025</a:t>
             </a:fld>
             <a:endParaRPr lang="en-US"/>
           </a:p>
@@ -4786,7 +5113,7 @@
           <a:p>
             <a:fld id="{CA16844A-366F-47C4-B77D-42DFAB3943AB}" type="datetimeFigureOut">
               <a:rPr lang="en-US" smtClean="0"/>
-              <a:t>4/7/2025</a:t>
+              <a:t>4/8/2025</a:t>
             </a:fld>
             <a:endParaRPr lang="en-US"/>
           </a:p>
@@ -6199,7 +6526,7 @@
         <p:spPr>
           <a:xfrm>
             <a:off x="107004" y="158874"/>
-            <a:ext cx="11984477" cy="338554"/>
+            <a:ext cx="11984477" cy="2308324"/>
           </a:xfrm>
           <a:prstGeom prst="rect">
             <a:avLst/>
@@ -6223,6 +6550,156 @@
               </a:rPr>
               <a:t> </a:t>
             </a:r>
+            <a:r>
+              <a:rPr lang="en-US" sz="1600" b="0" i="0" u="sng">
+                <a:solidFill>
+                  <a:srgbClr val="00B0F0"/>
+                </a:solidFill>
+                <a:effectLst/>
+                <a:latin typeface="Udemy Sans"/>
+              </a:rPr>
+              <a:t>https://testengineer.ru/testirovanie-gui-polnoe-rukovodstvo</a:t>
+            </a:r>
+            <a:r>
+              <a:rPr lang="en-US" sz="1600" b="0" i="0">
+                <a:solidFill>
+                  <a:srgbClr val="303141"/>
+                </a:solidFill>
+                <a:effectLst/>
+                <a:latin typeface="Udemy Sans"/>
+              </a:rPr>
+              <a:t>   - </a:t>
+            </a:r>
+            <a:r>
+              <a:rPr lang="ru-RU" sz="1600" b="0" i="0">
+                <a:solidFill>
+                  <a:srgbClr val="303141"/>
+                </a:solidFill>
+                <a:effectLst/>
+                <a:latin typeface="Udemy Sans"/>
+              </a:rPr>
+              <a:t>Доп читать.</a:t>
+            </a:r>
+          </a:p>
+          <a:p>
+            <a:pPr algn="l"/>
+            <a:endParaRPr lang="ru-RU" sz="1600">
+              <a:solidFill>
+                <a:srgbClr val="303141"/>
+              </a:solidFill>
+              <a:latin typeface="Udemy Sans"/>
+            </a:endParaRPr>
+          </a:p>
+          <a:p>
+            <a:pPr algn="l"/>
+            <a:endParaRPr lang="ru-RU" sz="1600" b="0" i="0">
+              <a:solidFill>
+                <a:srgbClr val="303141"/>
+              </a:solidFill>
+              <a:effectLst/>
+              <a:latin typeface="Udemy Sans"/>
+            </a:endParaRPr>
+          </a:p>
+          <a:p>
+            <a:pPr algn="l"/>
+            <a:endParaRPr lang="ru-RU" sz="1600">
+              <a:solidFill>
+                <a:srgbClr val="303141"/>
+              </a:solidFill>
+              <a:latin typeface="Udemy Sans"/>
+            </a:endParaRPr>
+          </a:p>
+          <a:p>
+            <a:pPr algn="l"/>
+            <a:r>
+              <a:rPr lang="en-US" sz="1600" b="0" i="0" u="sng">
+                <a:solidFill>
+                  <a:srgbClr val="00B0F0"/>
+                </a:solidFill>
+                <a:effectLst/>
+                <a:latin typeface="Udemy Sans"/>
+              </a:rPr>
+              <a:t>https://www.w3schools.com/howto</a:t>
+            </a:r>
+            <a:r>
+              <a:rPr lang="ru-RU" sz="1600" b="0" i="0">
+                <a:solidFill>
+                  <a:srgbClr val="303141"/>
+                </a:solidFill>
+                <a:effectLst/>
+                <a:latin typeface="Udemy Sans"/>
+              </a:rPr>
+              <a:t> - попрактиковаться как некоторые функции сайта работают</a:t>
+            </a:r>
+          </a:p>
+          <a:p>
+            <a:pPr algn="l"/>
+            <a:endParaRPr lang="ru-RU" sz="1600">
+              <a:solidFill>
+                <a:srgbClr val="303141"/>
+              </a:solidFill>
+              <a:latin typeface="Udemy Sans"/>
+            </a:endParaRPr>
+          </a:p>
+          <a:p>
+            <a:pPr algn="l"/>
+            <a:endParaRPr lang="ru-RU" sz="1600" b="0" i="0">
+              <a:solidFill>
+                <a:srgbClr val="303141"/>
+              </a:solidFill>
+              <a:effectLst/>
+              <a:latin typeface="Udemy Sans"/>
+            </a:endParaRPr>
+          </a:p>
+          <a:p>
+            <a:pPr algn="l"/>
+            <a:endParaRPr lang="ru-RU" sz="1600">
+              <a:solidFill>
+                <a:srgbClr val="303141"/>
+              </a:solidFill>
+              <a:latin typeface="Udemy Sans"/>
+            </a:endParaRPr>
+          </a:p>
+          <a:p>
+            <a:pPr algn="l"/>
+            <a:r>
+              <a:rPr lang="en-US" sz="1600" b="0" i="0" u="sng">
+                <a:solidFill>
+                  <a:srgbClr val="00B0F0"/>
+                </a:solidFill>
+                <a:effectLst/>
+                <a:latin typeface="Udemy Sans"/>
+              </a:rPr>
+              <a:t>https://guides.kontur.ru</a:t>
+            </a:r>
+            <a:r>
+              <a:rPr lang="ru-RU" sz="1600" b="0" i="0">
+                <a:solidFill>
+                  <a:srgbClr val="303141"/>
+                </a:solidFill>
+                <a:effectLst/>
+                <a:latin typeface="Udemy Sans"/>
+              </a:rPr>
+              <a:t>    </a:t>
+            </a:r>
+            <a:r>
+              <a:rPr lang="ru-RU" sz="1600" b="0" i="0">
+                <a:effectLst/>
+                <a:latin typeface="Udemy Sans"/>
+              </a:rPr>
+              <a:t>-    </a:t>
+            </a:r>
+            <a:r>
+              <a:rPr lang="ru-RU" sz="1600" b="0" i="0">
+                <a:effectLst/>
+                <a:latin typeface="Lab Grotesque"/>
+              </a:rPr>
+              <a:t>Первоисточник требований к дизайну интерфейсов</a:t>
+            </a:r>
+            <a:endParaRPr lang="ru-RU" sz="1600" b="0" i="0">
+              <a:effectLst/>
+              <a:latin typeface="Udemy Sans"/>
+            </a:endParaRPr>
           </a:p>
         </p:txBody>
       </p:sp>
@@ -6277,6 +6754,1716 @@
         <p:spPr>
           <a:xfrm>
             <a:off x="107004" y="158874"/>
+            <a:ext cx="11984477" cy="6524863"/>
+          </a:xfrm>
+          <a:prstGeom prst="rect">
+            <a:avLst/>
+          </a:prstGeom>
+          <a:noFill/>
+        </p:spPr>
+        <p:txBody>
+          <a:bodyPr wrap="square">
+            <a:spAutoFit/>
+          </a:bodyPr>
+          <a:lstStyle/>
+          <a:p>
+            <a:pPr algn="l"/>
+            <a:r>
+              <a:rPr lang="ru-RU" sz="1100" b="0" i="0">
+                <a:solidFill>
+                  <a:srgbClr val="303141"/>
+                </a:solidFill>
+                <a:effectLst/>
+                <a:latin typeface="Arial" panose="020B0604020202020204" pitchFamily="34" charset="0"/>
+                <a:cs typeface="Arial" panose="020B0604020202020204" pitchFamily="34" charset="0"/>
+              </a:rPr>
+              <a:t> </a:t>
+            </a:r>
+            <a:r>
+              <a:rPr lang="ru-RU" sz="1100">
+                <a:latin typeface="Arial" panose="020B0604020202020204" pitchFamily="34" charset="0"/>
+                <a:cs typeface="Arial" panose="020B0604020202020204" pitchFamily="34" charset="0"/>
+              </a:rPr>
+              <a:t>✅ </a:t>
+            </a:r>
+            <a:r>
+              <a:rPr lang="ru-RU" sz="1100" b="1">
+                <a:latin typeface="Arial" panose="020B0604020202020204" pitchFamily="34" charset="0"/>
+                <a:cs typeface="Arial" panose="020B0604020202020204" pitchFamily="34" charset="0"/>
+              </a:rPr>
+              <a:t>Чек-лист тестирования Web GUI по макету Figma (для QA)</a:t>
+            </a:r>
+            <a:endParaRPr lang="az-Latn-AZ" sz="1100" b="1">
+              <a:latin typeface="Arial" panose="020B0604020202020204" pitchFamily="34" charset="0"/>
+              <a:cs typeface="Arial" panose="020B0604020202020204" pitchFamily="34" charset="0"/>
+            </a:endParaRPr>
+          </a:p>
+          <a:p>
+            <a:pPr algn="l"/>
+            <a:endParaRPr lang="az-Latn-AZ" sz="1100" b="1" i="0">
+              <a:solidFill>
+                <a:srgbClr val="303141"/>
+              </a:solidFill>
+              <a:effectLst/>
+              <a:latin typeface="Arial" panose="020B0604020202020204" pitchFamily="34" charset="0"/>
+              <a:cs typeface="Arial" panose="020B0604020202020204" pitchFamily="34" charset="0"/>
+            </a:endParaRPr>
+          </a:p>
+          <a:p>
+            <a:pPr algn="l"/>
+            <a:endParaRPr lang="az-Latn-AZ" sz="1100" b="1">
+              <a:solidFill>
+                <a:srgbClr val="303141"/>
+              </a:solidFill>
+              <a:latin typeface="Arial" panose="020B0604020202020204" pitchFamily="34" charset="0"/>
+              <a:cs typeface="Arial" panose="020B0604020202020204" pitchFamily="34" charset="0"/>
+            </a:endParaRPr>
+          </a:p>
+          <a:p>
+            <a:pPr>
+              <a:buNone/>
+            </a:pPr>
+            <a:r>
+              <a:rPr lang="ru-RU" sz="1100" b="1">
+                <a:latin typeface="Arial" panose="020B0604020202020204" pitchFamily="34" charset="0"/>
+                <a:cs typeface="Arial" panose="020B0604020202020204" pitchFamily="34" charset="0"/>
+              </a:rPr>
+              <a:t>🔷 1. Пиксельное соответствие (Pixel-perfect)</a:t>
+            </a:r>
+          </a:p>
+          <a:p>
+            <a:pPr>
+              <a:buNone/>
+            </a:pPr>
+            <a:r>
+              <a:rPr lang="ru-RU" sz="1100" b="1">
+                <a:latin typeface="Arial" panose="020B0604020202020204" pitchFamily="34" charset="0"/>
+                <a:cs typeface="Arial" panose="020B0604020202020204" pitchFamily="34" charset="0"/>
+              </a:rPr>
+              <a:t>Что проверять:</a:t>
+            </a:r>
+          </a:p>
+          <a:p>
+            <a:pPr>
+              <a:buFont typeface="Arial" panose="020B0604020202020204" pitchFamily="34" charset="0"/>
+              <a:buChar char="•"/>
+            </a:pPr>
+            <a:r>
+              <a:rPr lang="ru-RU" sz="1100">
+                <a:latin typeface="Arial" panose="020B0604020202020204" pitchFamily="34" charset="0"/>
+                <a:cs typeface="Arial" panose="020B0604020202020204" pitchFamily="34" charset="0"/>
+              </a:rPr>
+              <a:t>Совпадают ли размеры элементов (карточек, кнопок, инпутов и т.д.) с макетом Figma</a:t>
+            </a:r>
+          </a:p>
+          <a:p>
+            <a:pPr>
+              <a:buFont typeface="Arial" panose="020B0604020202020204" pitchFamily="34" charset="0"/>
+              <a:buChar char="•"/>
+            </a:pPr>
+            <a:r>
+              <a:rPr lang="ru-RU" sz="1100">
+                <a:latin typeface="Arial" panose="020B0604020202020204" pitchFamily="34" charset="0"/>
+                <a:cs typeface="Arial" panose="020B0604020202020204" pitchFamily="34" charset="0"/>
+              </a:rPr>
+              <a:t>Расстояния между элементами (margin, padding) соответствуют ли Figma</a:t>
+            </a:r>
+          </a:p>
+          <a:p>
+            <a:pPr>
+              <a:buFont typeface="Arial" panose="020B0604020202020204" pitchFamily="34" charset="0"/>
+              <a:buChar char="•"/>
+            </a:pPr>
+            <a:r>
+              <a:rPr lang="ru-RU" sz="1100">
+                <a:latin typeface="Arial" panose="020B0604020202020204" pitchFamily="34" charset="0"/>
+                <a:cs typeface="Arial" panose="020B0604020202020204" pitchFamily="34" charset="0"/>
+              </a:rPr>
+              <a:t>Расположение компонентов — по сетке и выравниванию</a:t>
+            </a:r>
+          </a:p>
+          <a:p>
+            <a:pPr>
+              <a:buNone/>
+            </a:pPr>
+            <a:r>
+              <a:rPr lang="ru-RU" sz="1100" b="1">
+                <a:latin typeface="Arial" panose="020B0604020202020204" pitchFamily="34" charset="0"/>
+                <a:cs typeface="Arial" panose="020B0604020202020204" pitchFamily="34" charset="0"/>
+              </a:rPr>
+              <a:t>Инструменты:</a:t>
+            </a:r>
+          </a:p>
+          <a:p>
+            <a:pPr>
+              <a:buFont typeface="Arial" panose="020B0604020202020204" pitchFamily="34" charset="0"/>
+              <a:buChar char="•"/>
+            </a:pPr>
+            <a:r>
+              <a:rPr lang="ru-RU" sz="1100">
+                <a:latin typeface="Arial" panose="020B0604020202020204" pitchFamily="34" charset="0"/>
+                <a:cs typeface="Arial" panose="020B0604020202020204" pitchFamily="34" charset="0"/>
+              </a:rPr>
+              <a:t>Панель "Inspect" в Figma (для получения размеров, цветов, шрифтов)</a:t>
+            </a:r>
+          </a:p>
+          <a:p>
+            <a:pPr>
+              <a:buFont typeface="Arial" panose="020B0604020202020204" pitchFamily="34" charset="0"/>
+              <a:buChar char="•"/>
+            </a:pPr>
+            <a:r>
+              <a:rPr lang="ru-RU" sz="1100">
+                <a:latin typeface="Arial" panose="020B0604020202020204" pitchFamily="34" charset="0"/>
+                <a:cs typeface="Arial" panose="020B0604020202020204" pitchFamily="34" charset="0"/>
+              </a:rPr>
+              <a:t>Расширения Chrome: </a:t>
+            </a:r>
+            <a:r>
+              <a:rPr lang="ru-RU" sz="1100" b="1">
+                <a:latin typeface="Arial" panose="020B0604020202020204" pitchFamily="34" charset="0"/>
+                <a:cs typeface="Arial" panose="020B0604020202020204" pitchFamily="34" charset="0"/>
+              </a:rPr>
+              <a:t>PerfectPixel</a:t>
+            </a:r>
+            <a:r>
+              <a:rPr lang="ru-RU" sz="1100">
+                <a:latin typeface="Arial" panose="020B0604020202020204" pitchFamily="34" charset="0"/>
+                <a:cs typeface="Arial" panose="020B0604020202020204" pitchFamily="34" charset="0"/>
+              </a:rPr>
+              <a:t>, </a:t>
+            </a:r>
+            <a:r>
+              <a:rPr lang="ru-RU" sz="1100" b="1">
+                <a:latin typeface="Arial" panose="020B0604020202020204" pitchFamily="34" charset="0"/>
+                <a:cs typeface="Arial" panose="020B0604020202020204" pitchFamily="34" charset="0"/>
+              </a:rPr>
+              <a:t>PixelPerfect</a:t>
+            </a:r>
+            <a:r>
+              <a:rPr lang="ru-RU" sz="1100">
+                <a:latin typeface="Arial" panose="020B0604020202020204" pitchFamily="34" charset="0"/>
+                <a:cs typeface="Arial" panose="020B0604020202020204" pitchFamily="34" charset="0"/>
+              </a:rPr>
+              <a:t> (для наложения макета на реальный сайт)</a:t>
+            </a:r>
+          </a:p>
+          <a:p>
+            <a:pPr algn="l"/>
+            <a:endParaRPr lang="az-Latn-AZ" sz="1100" b="1" i="0">
+              <a:solidFill>
+                <a:srgbClr val="303141"/>
+              </a:solidFill>
+              <a:effectLst/>
+              <a:latin typeface="Arial" panose="020B0604020202020204" pitchFamily="34" charset="0"/>
+              <a:cs typeface="Arial" panose="020B0604020202020204" pitchFamily="34" charset="0"/>
+            </a:endParaRPr>
+          </a:p>
+          <a:p>
+            <a:pPr algn="l"/>
+            <a:endParaRPr lang="az-Latn-AZ" sz="1100" b="1">
+              <a:solidFill>
+                <a:srgbClr val="303141"/>
+              </a:solidFill>
+              <a:latin typeface="Arial" panose="020B0604020202020204" pitchFamily="34" charset="0"/>
+              <a:cs typeface="Arial" panose="020B0604020202020204" pitchFamily="34" charset="0"/>
+            </a:endParaRPr>
+          </a:p>
+          <a:p>
+            <a:pPr algn="l"/>
+            <a:endParaRPr lang="az-Latn-AZ" sz="1100" b="1" i="0">
+              <a:solidFill>
+                <a:srgbClr val="303141"/>
+              </a:solidFill>
+              <a:effectLst/>
+              <a:latin typeface="Arial" panose="020B0604020202020204" pitchFamily="34" charset="0"/>
+              <a:cs typeface="Arial" panose="020B0604020202020204" pitchFamily="34" charset="0"/>
+            </a:endParaRPr>
+          </a:p>
+          <a:p>
+            <a:pPr algn="l"/>
+            <a:endParaRPr lang="az-Latn-AZ" sz="1100" b="1" i="0">
+              <a:solidFill>
+                <a:srgbClr val="303141"/>
+              </a:solidFill>
+              <a:effectLst/>
+              <a:latin typeface="Arial" panose="020B0604020202020204" pitchFamily="34" charset="0"/>
+              <a:cs typeface="Arial" panose="020B0604020202020204" pitchFamily="34" charset="0"/>
+            </a:endParaRPr>
+          </a:p>
+          <a:p>
+            <a:pPr>
+              <a:buNone/>
+            </a:pPr>
+            <a:r>
+              <a:rPr lang="en-US" sz="1100" b="1">
+                <a:latin typeface="Arial" panose="020B0604020202020204" pitchFamily="34" charset="0"/>
+                <a:cs typeface="Arial" panose="020B0604020202020204" pitchFamily="34" charset="0"/>
+              </a:rPr>
+              <a:t>🔷 2. </a:t>
+            </a:r>
+            <a:r>
+              <a:rPr lang="ru-RU" sz="1100" b="1">
+                <a:latin typeface="Arial" panose="020B0604020202020204" pitchFamily="34" charset="0"/>
+                <a:cs typeface="Arial" panose="020B0604020202020204" pitchFamily="34" charset="0"/>
+              </a:rPr>
+              <a:t>Типографика</a:t>
+            </a:r>
+          </a:p>
+          <a:p>
+            <a:pPr>
+              <a:buNone/>
+            </a:pPr>
+            <a:r>
+              <a:rPr lang="ru-RU" sz="1100" b="1">
+                <a:latin typeface="Arial" panose="020B0604020202020204" pitchFamily="34" charset="0"/>
+                <a:cs typeface="Arial" panose="020B0604020202020204" pitchFamily="34" charset="0"/>
+              </a:rPr>
+              <a:t>Что проверять:</a:t>
+            </a:r>
+          </a:p>
+          <a:p>
+            <a:pPr>
+              <a:buFont typeface="Arial" panose="020B0604020202020204" pitchFamily="34" charset="0"/>
+              <a:buChar char="•"/>
+            </a:pPr>
+            <a:r>
+              <a:rPr lang="ru-RU" sz="1100">
+                <a:latin typeface="Arial" panose="020B0604020202020204" pitchFamily="34" charset="0"/>
+                <a:cs typeface="Arial" panose="020B0604020202020204" pitchFamily="34" charset="0"/>
+              </a:rPr>
+              <a:t>Соответствуют ли шрифты (</a:t>
+            </a:r>
+            <a:r>
+              <a:rPr lang="en-US" sz="1100">
+                <a:latin typeface="Arial" panose="020B0604020202020204" pitchFamily="34" charset="0"/>
+                <a:cs typeface="Arial" panose="020B0604020202020204" pitchFamily="34" charset="0"/>
+              </a:rPr>
+              <a:t>font-family), </a:t>
+            </a:r>
+            <a:r>
+              <a:rPr lang="ru-RU" sz="1100">
+                <a:latin typeface="Arial" panose="020B0604020202020204" pitchFamily="34" charset="0"/>
+                <a:cs typeface="Arial" panose="020B0604020202020204" pitchFamily="34" charset="0"/>
+              </a:rPr>
+              <a:t>размер текста (</a:t>
+            </a:r>
+            <a:r>
+              <a:rPr lang="en-US" sz="1100">
+                <a:latin typeface="Arial" panose="020B0604020202020204" pitchFamily="34" charset="0"/>
+                <a:cs typeface="Arial" panose="020B0604020202020204" pitchFamily="34" charset="0"/>
+              </a:rPr>
+              <a:t>font-size), </a:t>
+            </a:r>
+            <a:r>
+              <a:rPr lang="ru-RU" sz="1100">
+                <a:latin typeface="Arial" panose="020B0604020202020204" pitchFamily="34" charset="0"/>
+                <a:cs typeface="Arial" panose="020B0604020202020204" pitchFamily="34" charset="0"/>
+              </a:rPr>
+              <a:t>насыщенность (</a:t>
+            </a:r>
+            <a:r>
+              <a:rPr lang="en-US" sz="1100">
+                <a:latin typeface="Arial" panose="020B0604020202020204" pitchFamily="34" charset="0"/>
+                <a:cs typeface="Arial" panose="020B0604020202020204" pitchFamily="34" charset="0"/>
+              </a:rPr>
+              <a:t>font-weight), </a:t>
+            </a:r>
+            <a:r>
+              <a:rPr lang="ru-RU" sz="1100">
+                <a:latin typeface="Arial" panose="020B0604020202020204" pitchFamily="34" charset="0"/>
+                <a:cs typeface="Arial" panose="020B0604020202020204" pitchFamily="34" charset="0"/>
+              </a:rPr>
+              <a:t>межстрочный интервал (</a:t>
+            </a:r>
+            <a:r>
+              <a:rPr lang="en-US" sz="1100">
+                <a:latin typeface="Arial" panose="020B0604020202020204" pitchFamily="34" charset="0"/>
+                <a:cs typeface="Arial" panose="020B0604020202020204" pitchFamily="34" charset="0"/>
+              </a:rPr>
+              <a:t>line-height)</a:t>
+            </a:r>
+          </a:p>
+          <a:p>
+            <a:pPr>
+              <a:buFont typeface="Arial" panose="020B0604020202020204" pitchFamily="34" charset="0"/>
+              <a:buChar char="•"/>
+            </a:pPr>
+            <a:r>
+              <a:rPr lang="ru-RU" sz="1100">
+                <a:latin typeface="Arial" panose="020B0604020202020204" pitchFamily="34" charset="0"/>
+                <a:cs typeface="Arial" panose="020B0604020202020204" pitchFamily="34" charset="0"/>
+              </a:rPr>
+              <a:t>Стили заголовков (</a:t>
+            </a:r>
+            <a:r>
+              <a:rPr lang="en-US" sz="1100">
+                <a:latin typeface="Arial" panose="020B0604020202020204" pitchFamily="34" charset="0"/>
+                <a:cs typeface="Arial" panose="020B0604020202020204" pitchFamily="34" charset="0"/>
+              </a:rPr>
+              <a:t>H1, H2...), </a:t>
+            </a:r>
+            <a:r>
+              <a:rPr lang="ru-RU" sz="1100">
+                <a:latin typeface="Arial" panose="020B0604020202020204" pitchFamily="34" charset="0"/>
+                <a:cs typeface="Arial" panose="020B0604020202020204" pitchFamily="34" charset="0"/>
+              </a:rPr>
+              <a:t>основного текста, ссылок</a:t>
+            </a:r>
+          </a:p>
+          <a:p>
+            <a:pPr algn="l"/>
+            <a:endParaRPr lang="az-Latn-AZ" sz="1100" b="1">
+              <a:solidFill>
+                <a:srgbClr val="303141"/>
+              </a:solidFill>
+              <a:latin typeface="Arial" panose="020B0604020202020204" pitchFamily="34" charset="0"/>
+              <a:cs typeface="Arial" panose="020B0604020202020204" pitchFamily="34" charset="0"/>
+            </a:endParaRPr>
+          </a:p>
+          <a:p>
+            <a:pPr algn="l"/>
+            <a:endParaRPr lang="az-Latn-AZ" sz="1100" b="1" i="0">
+              <a:solidFill>
+                <a:srgbClr val="303141"/>
+              </a:solidFill>
+              <a:effectLst/>
+              <a:latin typeface="Arial" panose="020B0604020202020204" pitchFamily="34" charset="0"/>
+              <a:cs typeface="Arial" panose="020B0604020202020204" pitchFamily="34" charset="0"/>
+            </a:endParaRPr>
+          </a:p>
+          <a:p>
+            <a:pPr algn="l"/>
+            <a:endParaRPr lang="az-Latn-AZ" sz="1100" b="1" i="0">
+              <a:solidFill>
+                <a:srgbClr val="303141"/>
+              </a:solidFill>
+              <a:effectLst/>
+              <a:latin typeface="Arial" panose="020B0604020202020204" pitchFamily="34" charset="0"/>
+              <a:cs typeface="Arial" panose="020B0604020202020204" pitchFamily="34" charset="0"/>
+            </a:endParaRPr>
+          </a:p>
+          <a:p>
+            <a:pPr algn="l"/>
+            <a:endParaRPr lang="az-Latn-AZ" sz="1100" b="1">
+              <a:solidFill>
+                <a:srgbClr val="303141"/>
+              </a:solidFill>
+              <a:latin typeface="Arial" panose="020B0604020202020204" pitchFamily="34" charset="0"/>
+              <a:cs typeface="Arial" panose="020B0604020202020204" pitchFamily="34" charset="0"/>
+            </a:endParaRPr>
+          </a:p>
+          <a:p>
+            <a:pPr marL="0" marR="0" lvl="0" indent="0" algn="l" defTabSz="914400" rtl="0" eaLnBrk="0" fontAlgn="base" latinLnBrk="0" hangingPunct="0">
+              <a:lnSpc>
+                <a:spcPct val="100000"/>
+              </a:lnSpc>
+              <a:spcBef>
+                <a:spcPct val="0"/>
+              </a:spcBef>
+              <a:spcAft>
+                <a:spcPct val="0"/>
+              </a:spcAft>
+              <a:buClrTx/>
+              <a:buSzTx/>
+              <a:buFontTx/>
+              <a:buNone/>
+              <a:tabLst/>
+            </a:pPr>
+            <a:r>
+              <a:rPr kumimoji="0" lang="en-US" altLang="en-US" sz="1100" b="1" i="0" u="none" strike="noStrike" cap="none" normalizeH="0" baseline="0">
+                <a:ln>
+                  <a:noFill/>
+                </a:ln>
+                <a:solidFill>
+                  <a:schemeClr val="tx1"/>
+                </a:solidFill>
+                <a:effectLst/>
+                <a:latin typeface="Arial" panose="020B0604020202020204" pitchFamily="34" charset="0"/>
+                <a:cs typeface="Arial" panose="020B0604020202020204" pitchFamily="34" charset="0"/>
+              </a:rPr>
+              <a:t>🔷 3. Цвета и стили</a:t>
+            </a:r>
+          </a:p>
+          <a:p>
+            <a:pPr marL="0" marR="0" lvl="0" indent="0" algn="l" defTabSz="914400" rtl="0" eaLnBrk="0" fontAlgn="base" latinLnBrk="0" hangingPunct="0">
+              <a:lnSpc>
+                <a:spcPct val="100000"/>
+              </a:lnSpc>
+              <a:spcBef>
+                <a:spcPct val="0"/>
+              </a:spcBef>
+              <a:spcAft>
+                <a:spcPct val="0"/>
+              </a:spcAft>
+              <a:buClrTx/>
+              <a:buSzTx/>
+              <a:buFontTx/>
+              <a:buNone/>
+              <a:tabLst/>
+            </a:pPr>
+            <a:r>
+              <a:rPr kumimoji="0" lang="en-US" altLang="en-US" sz="1100" b="1" i="0" u="none" strike="noStrike" cap="none" normalizeH="0" baseline="0">
+                <a:ln>
+                  <a:noFill/>
+                </a:ln>
+                <a:solidFill>
+                  <a:schemeClr val="tx1"/>
+                </a:solidFill>
+                <a:effectLst/>
+                <a:latin typeface="Arial" panose="020B0604020202020204" pitchFamily="34" charset="0"/>
+                <a:cs typeface="Arial" panose="020B0604020202020204" pitchFamily="34" charset="0"/>
+              </a:rPr>
+              <a:t>Что проверять:</a:t>
+            </a:r>
+          </a:p>
+          <a:p>
+            <a:pPr marL="0" marR="0" lvl="0" indent="0" algn="l" defTabSz="914400" rtl="0" eaLnBrk="0" fontAlgn="base" latinLnBrk="0" hangingPunct="0">
+              <a:lnSpc>
+                <a:spcPct val="100000"/>
+              </a:lnSpc>
+              <a:spcBef>
+                <a:spcPct val="0"/>
+              </a:spcBef>
+              <a:spcAft>
+                <a:spcPct val="0"/>
+              </a:spcAft>
+              <a:buClrTx/>
+              <a:buSzTx/>
+              <a:buFontTx/>
+              <a:buChar char="•"/>
+              <a:tabLst/>
+            </a:pPr>
+            <a:r>
+              <a:rPr kumimoji="0" lang="en-US" altLang="en-US" sz="1100" b="0" i="0" u="none" strike="noStrike" cap="none" normalizeH="0" baseline="0">
+                <a:ln>
+                  <a:noFill/>
+                </a:ln>
+                <a:solidFill>
+                  <a:schemeClr val="tx1"/>
+                </a:solidFill>
+                <a:effectLst/>
+                <a:latin typeface="Arial" panose="020B0604020202020204" pitchFamily="34" charset="0"/>
+                <a:cs typeface="Arial" panose="020B0604020202020204" pitchFamily="34" charset="0"/>
+              </a:rPr>
+              <a:t>Цвета (#HEX, rgba) совпадают ли с Figma?</a:t>
+            </a:r>
+          </a:p>
+          <a:p>
+            <a:pPr marL="0" marR="0" lvl="0" indent="0" algn="l" defTabSz="914400" rtl="0" eaLnBrk="0" fontAlgn="base" latinLnBrk="0" hangingPunct="0">
+              <a:lnSpc>
+                <a:spcPct val="100000"/>
+              </a:lnSpc>
+              <a:spcBef>
+                <a:spcPct val="0"/>
+              </a:spcBef>
+              <a:spcAft>
+                <a:spcPct val="0"/>
+              </a:spcAft>
+              <a:buClrTx/>
+              <a:buSzTx/>
+              <a:buFontTx/>
+              <a:buChar char="•"/>
+              <a:tabLst/>
+            </a:pPr>
+            <a:r>
+              <a:rPr kumimoji="0" lang="en-US" altLang="en-US" sz="1100" b="0" i="0" u="none" strike="noStrike" cap="none" normalizeH="0" baseline="0">
+                <a:ln>
+                  <a:noFill/>
+                </a:ln>
+                <a:solidFill>
+                  <a:schemeClr val="tx1"/>
+                </a:solidFill>
+                <a:effectLst/>
+                <a:latin typeface="Arial" panose="020B0604020202020204" pitchFamily="34" charset="0"/>
+                <a:cs typeface="Arial" panose="020B0604020202020204" pitchFamily="34" charset="0"/>
+              </a:rPr>
+              <a:t>Применены ли правильные стили: тени (box-shadow), скругления (border-radius), прозрачность (opacity)?</a:t>
+            </a:r>
+          </a:p>
+          <a:p>
+            <a:pPr marL="0" marR="0" lvl="0" indent="0" algn="l" defTabSz="914400" rtl="0" eaLnBrk="0" fontAlgn="base" latinLnBrk="0" hangingPunct="0">
+              <a:lnSpc>
+                <a:spcPct val="100000"/>
+              </a:lnSpc>
+              <a:spcBef>
+                <a:spcPct val="0"/>
+              </a:spcBef>
+              <a:spcAft>
+                <a:spcPct val="0"/>
+              </a:spcAft>
+              <a:buClrTx/>
+              <a:buSzTx/>
+              <a:buFontTx/>
+              <a:buChar char="•"/>
+              <a:tabLst/>
+            </a:pPr>
+            <a:r>
+              <a:rPr kumimoji="0" lang="en-US" altLang="en-US" sz="1100" b="0" i="0" u="none" strike="noStrike" cap="none" normalizeH="0" baseline="0">
+                <a:ln>
+                  <a:noFill/>
+                </a:ln>
+                <a:solidFill>
+                  <a:schemeClr val="tx1"/>
+                </a:solidFill>
+                <a:effectLst/>
+                <a:latin typeface="Arial" panose="020B0604020202020204" pitchFamily="34" charset="0"/>
+                <a:cs typeface="Arial" panose="020B0604020202020204" pitchFamily="34" charset="0"/>
+              </a:rPr>
+              <a:t>Hover, активные и фокусные состояния соответствуют ли Figma?</a:t>
+            </a:r>
+          </a:p>
+          <a:p>
+            <a:pPr marL="0" marR="0" lvl="0" indent="0" algn="l" defTabSz="914400" rtl="0" eaLnBrk="0" fontAlgn="base" latinLnBrk="0" hangingPunct="0">
+              <a:lnSpc>
+                <a:spcPct val="100000"/>
+              </a:lnSpc>
+              <a:spcBef>
+                <a:spcPct val="0"/>
+              </a:spcBef>
+              <a:spcAft>
+                <a:spcPct val="0"/>
+              </a:spcAft>
+              <a:buClrTx/>
+              <a:buSzTx/>
+              <a:buFontTx/>
+              <a:buNone/>
+              <a:tabLst/>
+            </a:pPr>
+            <a:endParaRPr kumimoji="0" lang="en-US" altLang="en-US" sz="1100" b="0" i="0" u="none" strike="noStrike" cap="none" normalizeH="0" baseline="0">
+              <a:ln>
+                <a:noFill/>
+              </a:ln>
+              <a:solidFill>
+                <a:schemeClr val="tx1"/>
+              </a:solidFill>
+              <a:effectLst/>
+              <a:latin typeface="Arial" panose="020B0604020202020204" pitchFamily="34" charset="0"/>
+              <a:cs typeface="Arial" panose="020B0604020202020204" pitchFamily="34" charset="0"/>
+            </a:endParaRPr>
+          </a:p>
+          <a:p>
+            <a:pPr algn="l"/>
+            <a:endParaRPr lang="az-Latn-AZ" sz="1100" b="0" i="0">
+              <a:solidFill>
+                <a:srgbClr val="303141"/>
+              </a:solidFill>
+              <a:effectLst/>
+              <a:latin typeface="Arial" panose="020B0604020202020204" pitchFamily="34" charset="0"/>
+              <a:cs typeface="Arial" panose="020B0604020202020204" pitchFamily="34" charset="0"/>
+            </a:endParaRPr>
+          </a:p>
+          <a:p>
+            <a:pPr algn="l"/>
+            <a:endParaRPr lang="az-Latn-AZ" sz="1100" b="0" i="0">
+              <a:solidFill>
+                <a:srgbClr val="303141"/>
+              </a:solidFill>
+              <a:effectLst/>
+              <a:latin typeface="Arial" panose="020B0604020202020204" pitchFamily="34" charset="0"/>
+              <a:cs typeface="Arial" panose="020B0604020202020204" pitchFamily="34" charset="0"/>
+            </a:endParaRPr>
+          </a:p>
+          <a:p>
+            <a:pPr algn="l"/>
+            <a:endParaRPr lang="az-Latn-AZ" sz="1100">
+              <a:solidFill>
+                <a:srgbClr val="303141"/>
+              </a:solidFill>
+              <a:latin typeface="Arial" panose="020B0604020202020204" pitchFamily="34" charset="0"/>
+              <a:cs typeface="Arial" panose="020B0604020202020204" pitchFamily="34" charset="0"/>
+            </a:endParaRPr>
+          </a:p>
+          <a:p>
+            <a:pPr>
+              <a:buNone/>
+            </a:pPr>
+            <a:r>
+              <a:rPr lang="ru-RU" sz="1100" b="1">
+                <a:latin typeface="Arial" panose="020B0604020202020204" pitchFamily="34" charset="0"/>
+                <a:cs typeface="Arial" panose="020B0604020202020204" pitchFamily="34" charset="0"/>
+              </a:rPr>
+              <a:t>🔷 4. Интерактивность и поведение компонентов</a:t>
+            </a:r>
+          </a:p>
+          <a:p>
+            <a:pPr>
+              <a:buNone/>
+            </a:pPr>
+            <a:r>
+              <a:rPr lang="ru-RU" sz="1100" b="1">
+                <a:latin typeface="Arial" panose="020B0604020202020204" pitchFamily="34" charset="0"/>
+                <a:cs typeface="Arial" panose="020B0604020202020204" pitchFamily="34" charset="0"/>
+              </a:rPr>
+              <a:t>Что проверять:</a:t>
+            </a:r>
+          </a:p>
+          <a:p>
+            <a:pPr>
+              <a:buFont typeface="Arial" panose="020B0604020202020204" pitchFamily="34" charset="0"/>
+              <a:buChar char="•"/>
+            </a:pPr>
+            <a:r>
+              <a:rPr lang="ru-RU" sz="1100">
+                <a:latin typeface="Arial" panose="020B0604020202020204" pitchFamily="34" charset="0"/>
+                <a:cs typeface="Arial" panose="020B0604020202020204" pitchFamily="34" charset="0"/>
+              </a:rPr>
+              <a:t>Работают ли dropdown-меню, модальные окна, вкладки (tabs), слайдеры как в Figma?</a:t>
+            </a:r>
+          </a:p>
+          <a:p>
+            <a:pPr>
+              <a:buFont typeface="Arial" panose="020B0604020202020204" pitchFamily="34" charset="0"/>
+              <a:buChar char="•"/>
+            </a:pPr>
+            <a:r>
+              <a:rPr lang="ru-RU" sz="1100">
+                <a:latin typeface="Arial" panose="020B0604020202020204" pitchFamily="34" charset="0"/>
+                <a:cs typeface="Arial" panose="020B0604020202020204" pitchFamily="34" charset="0"/>
+              </a:rPr>
+              <a:t>Присутствуют ли лоадеры, сообщения об ошибках и успехе?</a:t>
+            </a:r>
+          </a:p>
+          <a:p>
+            <a:pPr>
+              <a:buFont typeface="Arial" panose="020B0604020202020204" pitchFamily="34" charset="0"/>
+              <a:buChar char="•"/>
+            </a:pPr>
+            <a:r>
+              <a:rPr lang="ru-RU" sz="1100">
+                <a:latin typeface="Arial" panose="020B0604020202020204" pitchFamily="34" charset="0"/>
+                <a:cs typeface="Arial" panose="020B0604020202020204" pitchFamily="34" charset="0"/>
+              </a:rPr>
+              <a:t>Анимации переходов и состояний реализованы ли как в прототипе?</a:t>
+            </a:r>
+          </a:p>
+          <a:p>
+            <a:pPr algn="l"/>
+            <a:endParaRPr lang="ru-RU" sz="1100" b="0" i="0">
+              <a:solidFill>
+                <a:srgbClr val="303141"/>
+              </a:solidFill>
+              <a:effectLst/>
+              <a:latin typeface="Arial" panose="020B0604020202020204" pitchFamily="34" charset="0"/>
+              <a:cs typeface="Arial" panose="020B0604020202020204" pitchFamily="34" charset="0"/>
+            </a:endParaRPr>
+          </a:p>
+        </p:txBody>
+      </p:sp>
+    </p:spTree>
+    <p:extLst>
+      <p:ext uri="{BB962C8B-B14F-4D97-AF65-F5344CB8AC3E}">
+        <p14:creationId xmlns:p14="http://schemas.microsoft.com/office/powerpoint/2010/main" val="580379683"/>
+      </p:ext>
+    </p:extLst>
+  </p:cSld>
+  <p:clrMapOvr>
+    <a:masterClrMapping/>
+  </p:clrMapOvr>
+</p:sld>
+</file>
+
+<file path=ppt/slides/slide15.xml><?xml version="1.0" encoding="utf-8"?>
+<p:sld xmlns:a="http://schemas.openxmlformats.org/drawingml/2006/main" xmlns:r="http://schemas.openxmlformats.org/officeDocument/2006/relationships" xmlns:p="http://schemas.openxmlformats.org/presentationml/2006/main">
+  <p:cSld>
+    <p:spTree>
+      <p:nvGrpSpPr>
+        <p:cNvPr id="1" name="">
+          <a:extLst>
+            <a:ext uri="{FF2B5EF4-FFF2-40B4-BE49-F238E27FC236}">
+              <a16:creationId xmlns:a16="http://schemas.microsoft.com/office/drawing/2014/main" id="{F5201A49-6F98-A801-DCDE-39F240D79836}"/>
+            </a:ext>
+          </a:extLst>
+        </p:cNvPr>
+        <p:cNvGrpSpPr/>
+        <p:nvPr/>
+      </p:nvGrpSpPr>
+      <p:grpSpPr>
+        <a:xfrm>
+          <a:off x="0" y="0"/>
+          <a:ext cx="0" cy="0"/>
+          <a:chOff x="0" y="0"/>
+          <a:chExt cx="0" cy="0"/>
+        </a:xfrm>
+      </p:grpSpPr>
+      <p:sp>
+        <p:nvSpPr>
+          <p:cNvPr id="3" name="TextBox 2">
+            <a:extLst>
+              <a:ext uri="{FF2B5EF4-FFF2-40B4-BE49-F238E27FC236}">
+                <a16:creationId xmlns:a16="http://schemas.microsoft.com/office/drawing/2014/main" id="{65840648-A4BD-3708-C5C2-F5CDDF3E484A}"/>
+              </a:ext>
+            </a:extLst>
+          </p:cNvPr>
+          <p:cNvSpPr txBox="1"/>
+          <p:nvPr/>
+        </p:nvSpPr>
+        <p:spPr>
+          <a:xfrm>
+            <a:off x="107004" y="158874"/>
+            <a:ext cx="11984477" cy="6355586"/>
+          </a:xfrm>
+          <a:prstGeom prst="rect">
+            <a:avLst/>
+          </a:prstGeom>
+          <a:noFill/>
+        </p:spPr>
+        <p:txBody>
+          <a:bodyPr wrap="square">
+            <a:spAutoFit/>
+          </a:bodyPr>
+          <a:lstStyle/>
+          <a:p>
+            <a:pPr>
+              <a:buNone/>
+            </a:pPr>
+            <a:r>
+              <a:rPr lang="ru-RU" sz="1100" b="0" i="0">
+                <a:solidFill>
+                  <a:srgbClr val="303141"/>
+                </a:solidFill>
+                <a:effectLst/>
+                <a:latin typeface="Arial" panose="020B0604020202020204" pitchFamily="34" charset="0"/>
+                <a:cs typeface="Arial" panose="020B0604020202020204" pitchFamily="34" charset="0"/>
+              </a:rPr>
+              <a:t> </a:t>
+            </a:r>
+            <a:r>
+              <a:rPr lang="ru-RU" sz="1100" b="1">
+                <a:latin typeface="Arial" panose="020B0604020202020204" pitchFamily="34" charset="0"/>
+                <a:cs typeface="Arial" panose="020B0604020202020204" pitchFamily="34" charset="0"/>
+              </a:rPr>
+              <a:t>🔷 5. Выравнивание и сетка</a:t>
+            </a:r>
+          </a:p>
+          <a:p>
+            <a:pPr>
+              <a:buNone/>
+            </a:pPr>
+            <a:r>
+              <a:rPr lang="ru-RU" sz="1100" b="1">
+                <a:latin typeface="Arial" panose="020B0604020202020204" pitchFamily="34" charset="0"/>
+                <a:cs typeface="Arial" panose="020B0604020202020204" pitchFamily="34" charset="0"/>
+              </a:rPr>
+              <a:t>Что проверять:</a:t>
+            </a:r>
+          </a:p>
+          <a:p>
+            <a:pPr>
+              <a:buFont typeface="Arial" panose="020B0604020202020204" pitchFamily="34" charset="0"/>
+              <a:buChar char="•"/>
+            </a:pPr>
+            <a:r>
+              <a:rPr lang="ru-RU" sz="1100">
+                <a:latin typeface="Arial" panose="020B0604020202020204" pitchFamily="34" charset="0"/>
+                <a:cs typeface="Arial" panose="020B0604020202020204" pitchFamily="34" charset="0"/>
+              </a:rPr>
+              <a:t>Используется ли правильная сетка (например, 12-колоночная)?</a:t>
+            </a:r>
+          </a:p>
+          <a:p>
+            <a:pPr>
+              <a:buFont typeface="Arial" panose="020B0604020202020204" pitchFamily="34" charset="0"/>
+              <a:buChar char="•"/>
+            </a:pPr>
+            <a:r>
+              <a:rPr lang="ru-RU" sz="1100">
+                <a:latin typeface="Arial" panose="020B0604020202020204" pitchFamily="34" charset="0"/>
+                <a:cs typeface="Arial" panose="020B0604020202020204" pitchFamily="34" charset="0"/>
+              </a:rPr>
+              <a:t>Совпадает ли выравнивание по горизонтали/вертикали с макетом?</a:t>
+            </a:r>
+          </a:p>
+          <a:p>
+            <a:pPr>
+              <a:buFont typeface="Arial" panose="020B0604020202020204" pitchFamily="34" charset="0"/>
+              <a:buChar char="•"/>
+            </a:pPr>
+            <a:r>
+              <a:rPr lang="ru-RU" sz="1100">
+                <a:latin typeface="Arial" panose="020B0604020202020204" pitchFamily="34" charset="0"/>
+                <a:cs typeface="Arial" panose="020B0604020202020204" pitchFamily="34" charset="0"/>
+              </a:rPr>
+              <a:t>Одинаковые ли отступы между повторяющимися элементами?</a:t>
+            </a:r>
+          </a:p>
+          <a:p>
+            <a:pPr algn="l"/>
+            <a:endParaRPr lang="az-Latn-AZ" sz="1100" b="0" i="0">
+              <a:solidFill>
+                <a:srgbClr val="303141"/>
+              </a:solidFill>
+              <a:effectLst/>
+              <a:latin typeface="Arial" panose="020B0604020202020204" pitchFamily="34" charset="0"/>
+              <a:cs typeface="Arial" panose="020B0604020202020204" pitchFamily="34" charset="0"/>
+            </a:endParaRPr>
+          </a:p>
+          <a:p>
+            <a:pPr algn="l"/>
+            <a:endParaRPr lang="az-Latn-AZ" sz="1100">
+              <a:solidFill>
+                <a:srgbClr val="303141"/>
+              </a:solidFill>
+              <a:latin typeface="Arial" panose="020B0604020202020204" pitchFamily="34" charset="0"/>
+              <a:cs typeface="Arial" panose="020B0604020202020204" pitchFamily="34" charset="0"/>
+            </a:endParaRPr>
+          </a:p>
+          <a:p>
+            <a:pPr algn="l"/>
+            <a:endParaRPr lang="az-Latn-AZ" sz="1100" b="0" i="0">
+              <a:solidFill>
+                <a:srgbClr val="303141"/>
+              </a:solidFill>
+              <a:effectLst/>
+              <a:latin typeface="Arial" panose="020B0604020202020204" pitchFamily="34" charset="0"/>
+              <a:cs typeface="Arial" panose="020B0604020202020204" pitchFamily="34" charset="0"/>
+            </a:endParaRPr>
+          </a:p>
+          <a:p>
+            <a:pPr>
+              <a:buNone/>
+            </a:pPr>
+            <a:r>
+              <a:rPr lang="ru-RU" sz="1100" b="1">
+                <a:latin typeface="Arial" panose="020B0604020202020204" pitchFamily="34" charset="0"/>
+                <a:cs typeface="Arial" panose="020B0604020202020204" pitchFamily="34" charset="0"/>
+              </a:rPr>
+              <a:t>🔷 6. Адаптивность (Responsive)</a:t>
+            </a:r>
+          </a:p>
+          <a:p>
+            <a:pPr>
+              <a:buNone/>
+            </a:pPr>
+            <a:r>
+              <a:rPr lang="ru-RU" sz="1100" b="1">
+                <a:latin typeface="Arial" panose="020B0604020202020204" pitchFamily="34" charset="0"/>
+                <a:cs typeface="Arial" panose="020B0604020202020204" pitchFamily="34" charset="0"/>
+              </a:rPr>
+              <a:t>Что проверять:</a:t>
+            </a:r>
+          </a:p>
+          <a:p>
+            <a:pPr>
+              <a:buFont typeface="Arial" panose="020B0604020202020204" pitchFamily="34" charset="0"/>
+              <a:buChar char="•"/>
+            </a:pPr>
+            <a:r>
+              <a:rPr lang="ru-RU" sz="1100">
+                <a:latin typeface="Arial" panose="020B0604020202020204" pitchFamily="34" charset="0"/>
+                <a:cs typeface="Arial" panose="020B0604020202020204" pitchFamily="34" charset="0"/>
+              </a:rPr>
+              <a:t>Как интерфейс ведет себя при изменении размеров экрана?</a:t>
+            </a:r>
+          </a:p>
+          <a:p>
+            <a:pPr>
+              <a:buFont typeface="Arial" panose="020B0604020202020204" pitchFamily="34" charset="0"/>
+              <a:buChar char="•"/>
+            </a:pPr>
+            <a:r>
+              <a:rPr lang="ru-RU" sz="1100">
+                <a:latin typeface="Arial" panose="020B0604020202020204" pitchFamily="34" charset="0"/>
+                <a:cs typeface="Arial" panose="020B0604020202020204" pitchFamily="34" charset="0"/>
+              </a:rPr>
+              <a:t>Работает ли корректно на мобильных, планшетах и десктопах?</a:t>
+            </a:r>
+          </a:p>
+          <a:p>
+            <a:pPr>
+              <a:buFont typeface="Arial" panose="020B0604020202020204" pitchFamily="34" charset="0"/>
+              <a:buChar char="•"/>
+            </a:pPr>
+            <a:r>
+              <a:rPr lang="ru-RU" sz="1100">
+                <a:latin typeface="Arial" panose="020B0604020202020204" pitchFamily="34" charset="0"/>
+                <a:cs typeface="Arial" panose="020B0604020202020204" pitchFamily="34" charset="0"/>
+              </a:rPr>
+              <a:t>Если в Figma нет мобильной версии — логично ли отображаются компоненты?</a:t>
+            </a:r>
+          </a:p>
+          <a:p>
+            <a:pPr algn="l"/>
+            <a:endParaRPr lang="az-Latn-AZ" sz="1100">
+              <a:solidFill>
+                <a:srgbClr val="303141"/>
+              </a:solidFill>
+              <a:latin typeface="Arial" panose="020B0604020202020204" pitchFamily="34" charset="0"/>
+              <a:cs typeface="Arial" panose="020B0604020202020204" pitchFamily="34" charset="0"/>
+            </a:endParaRPr>
+          </a:p>
+          <a:p>
+            <a:pPr algn="l"/>
+            <a:endParaRPr lang="az-Latn-AZ" sz="1100" b="0" i="0">
+              <a:solidFill>
+                <a:srgbClr val="303141"/>
+              </a:solidFill>
+              <a:effectLst/>
+              <a:latin typeface="Arial" panose="020B0604020202020204" pitchFamily="34" charset="0"/>
+              <a:cs typeface="Arial" panose="020B0604020202020204" pitchFamily="34" charset="0"/>
+            </a:endParaRPr>
+          </a:p>
+          <a:p>
+            <a:pPr algn="l"/>
+            <a:endParaRPr lang="az-Latn-AZ" sz="1100" b="0" i="0">
+              <a:solidFill>
+                <a:srgbClr val="303141"/>
+              </a:solidFill>
+              <a:effectLst/>
+              <a:latin typeface="Arial" panose="020B0604020202020204" pitchFamily="34" charset="0"/>
+              <a:cs typeface="Arial" panose="020B0604020202020204" pitchFamily="34" charset="0"/>
+            </a:endParaRPr>
+          </a:p>
+          <a:p>
+            <a:pPr marL="0" marR="0" lvl="0" indent="0" algn="l" defTabSz="914400" rtl="0" eaLnBrk="0" fontAlgn="base" latinLnBrk="0" hangingPunct="0">
+              <a:lnSpc>
+                <a:spcPct val="100000"/>
+              </a:lnSpc>
+              <a:spcBef>
+                <a:spcPct val="0"/>
+              </a:spcBef>
+              <a:spcAft>
+                <a:spcPct val="0"/>
+              </a:spcAft>
+              <a:buClrTx/>
+              <a:buSzTx/>
+              <a:buFontTx/>
+              <a:buNone/>
+              <a:tabLst/>
+            </a:pPr>
+            <a:r>
+              <a:rPr kumimoji="0" lang="en-US" altLang="en-US" sz="1100" b="1" i="0" u="none" strike="noStrike" cap="none" normalizeH="0" baseline="0">
+                <a:ln>
+                  <a:noFill/>
+                </a:ln>
+                <a:solidFill>
+                  <a:schemeClr val="tx1"/>
+                </a:solidFill>
+                <a:effectLst/>
+                <a:latin typeface="Arial" panose="020B0604020202020204" pitchFamily="34" charset="0"/>
+                <a:cs typeface="Arial" panose="020B0604020202020204" pitchFamily="34" charset="0"/>
+              </a:rPr>
+              <a:t>🔷 7. Иконки и изображения</a:t>
+            </a:r>
+          </a:p>
+          <a:p>
+            <a:pPr marL="0" marR="0" lvl="0" indent="0" algn="l" defTabSz="914400" rtl="0" eaLnBrk="0" fontAlgn="base" latinLnBrk="0" hangingPunct="0">
+              <a:lnSpc>
+                <a:spcPct val="100000"/>
+              </a:lnSpc>
+              <a:spcBef>
+                <a:spcPct val="0"/>
+              </a:spcBef>
+              <a:spcAft>
+                <a:spcPct val="0"/>
+              </a:spcAft>
+              <a:buClrTx/>
+              <a:buSzTx/>
+              <a:buFontTx/>
+              <a:buNone/>
+              <a:tabLst/>
+            </a:pPr>
+            <a:r>
+              <a:rPr kumimoji="0" lang="en-US" altLang="en-US" sz="1100" b="1" i="0" u="none" strike="noStrike" cap="none" normalizeH="0" baseline="0">
+                <a:ln>
+                  <a:noFill/>
+                </a:ln>
+                <a:solidFill>
+                  <a:schemeClr val="tx1"/>
+                </a:solidFill>
+                <a:effectLst/>
+                <a:latin typeface="Arial" panose="020B0604020202020204" pitchFamily="34" charset="0"/>
+                <a:cs typeface="Arial" panose="020B0604020202020204" pitchFamily="34" charset="0"/>
+              </a:rPr>
+              <a:t>Что проверять:</a:t>
+            </a:r>
+          </a:p>
+          <a:p>
+            <a:pPr marL="0" marR="0" lvl="0" indent="0" algn="l" defTabSz="914400" rtl="0" eaLnBrk="0" fontAlgn="base" latinLnBrk="0" hangingPunct="0">
+              <a:lnSpc>
+                <a:spcPct val="100000"/>
+              </a:lnSpc>
+              <a:spcBef>
+                <a:spcPct val="0"/>
+              </a:spcBef>
+              <a:spcAft>
+                <a:spcPct val="0"/>
+              </a:spcAft>
+              <a:buClrTx/>
+              <a:buSzTx/>
+              <a:buFontTx/>
+              <a:buChar char="•"/>
+              <a:tabLst/>
+            </a:pPr>
+            <a:r>
+              <a:rPr kumimoji="0" lang="en-US" altLang="en-US" sz="1100" b="0" i="0" u="none" strike="noStrike" cap="none" normalizeH="0" baseline="0">
+                <a:ln>
+                  <a:noFill/>
+                </a:ln>
+                <a:solidFill>
+                  <a:schemeClr val="tx1"/>
+                </a:solidFill>
+                <a:effectLst/>
+                <a:latin typeface="Arial" panose="020B0604020202020204" pitchFamily="34" charset="0"/>
+                <a:cs typeface="Arial" panose="020B0604020202020204" pitchFamily="34" charset="0"/>
+              </a:rPr>
+              <a:t>Используются ли те же иконки, что и в Figma?</a:t>
+            </a:r>
+          </a:p>
+          <a:p>
+            <a:pPr marL="0" marR="0" lvl="0" indent="0" algn="l" defTabSz="914400" rtl="0" eaLnBrk="0" fontAlgn="base" latinLnBrk="0" hangingPunct="0">
+              <a:lnSpc>
+                <a:spcPct val="100000"/>
+              </a:lnSpc>
+              <a:spcBef>
+                <a:spcPct val="0"/>
+              </a:spcBef>
+              <a:spcAft>
+                <a:spcPct val="0"/>
+              </a:spcAft>
+              <a:buClrTx/>
+              <a:buSzTx/>
+              <a:buFontTx/>
+              <a:buChar char="•"/>
+              <a:tabLst/>
+            </a:pPr>
+            <a:r>
+              <a:rPr kumimoji="0" lang="en-US" altLang="en-US" sz="1100" b="0" i="0" u="none" strike="noStrike" cap="none" normalizeH="0" baseline="0">
+                <a:ln>
+                  <a:noFill/>
+                </a:ln>
+                <a:solidFill>
+                  <a:schemeClr val="tx1"/>
+                </a:solidFill>
+                <a:effectLst/>
+                <a:latin typeface="Arial" panose="020B0604020202020204" pitchFamily="34" charset="0"/>
+                <a:cs typeface="Arial" panose="020B0604020202020204" pitchFamily="34" charset="0"/>
+              </a:rPr>
+              <a:t>Правильные ли размеры и положение?</a:t>
+            </a:r>
+          </a:p>
+          <a:p>
+            <a:pPr marL="0" marR="0" lvl="0" indent="0" algn="l" defTabSz="914400" rtl="0" eaLnBrk="0" fontAlgn="base" latinLnBrk="0" hangingPunct="0">
+              <a:lnSpc>
+                <a:spcPct val="100000"/>
+              </a:lnSpc>
+              <a:spcBef>
+                <a:spcPct val="0"/>
+              </a:spcBef>
+              <a:spcAft>
+                <a:spcPct val="0"/>
+              </a:spcAft>
+              <a:buClrTx/>
+              <a:buSzTx/>
+              <a:buFontTx/>
+              <a:buChar char="•"/>
+              <a:tabLst/>
+            </a:pPr>
+            <a:r>
+              <a:rPr kumimoji="0" lang="en-US" altLang="en-US" sz="1100" b="0" i="0" u="none" strike="noStrike" cap="none" normalizeH="0" baseline="0">
+                <a:ln>
+                  <a:noFill/>
+                </a:ln>
+                <a:solidFill>
+                  <a:schemeClr val="tx1"/>
+                </a:solidFill>
+                <a:effectLst/>
+                <a:latin typeface="Arial" panose="020B0604020202020204" pitchFamily="34" charset="0"/>
+                <a:cs typeface="Arial" panose="020B0604020202020204" pitchFamily="34" charset="0"/>
+              </a:rPr>
+              <a:t>Оптимизированы ли изображения по весу и формату (например, .svg, .webp)</a:t>
+            </a:r>
+          </a:p>
+          <a:p>
+            <a:pPr marL="0" marR="0" lvl="0" indent="0" algn="l" defTabSz="914400" rtl="0" eaLnBrk="0" fontAlgn="base" latinLnBrk="0" hangingPunct="0">
+              <a:lnSpc>
+                <a:spcPct val="100000"/>
+              </a:lnSpc>
+              <a:spcBef>
+                <a:spcPct val="0"/>
+              </a:spcBef>
+              <a:spcAft>
+                <a:spcPct val="0"/>
+              </a:spcAft>
+              <a:buClrTx/>
+              <a:buSzTx/>
+              <a:buFontTx/>
+              <a:buNone/>
+              <a:tabLst/>
+            </a:pPr>
+            <a:endParaRPr kumimoji="0" lang="az-Latn-AZ" altLang="en-US" sz="1100" b="0" i="0" u="none" strike="noStrike" cap="none" normalizeH="0" baseline="0">
+              <a:ln>
+                <a:noFill/>
+              </a:ln>
+              <a:solidFill>
+                <a:schemeClr val="tx1"/>
+              </a:solidFill>
+              <a:effectLst/>
+              <a:latin typeface="Arial" panose="020B0604020202020204" pitchFamily="34" charset="0"/>
+              <a:cs typeface="Arial" panose="020B0604020202020204" pitchFamily="34" charset="0"/>
+            </a:endParaRPr>
+          </a:p>
+          <a:p>
+            <a:pPr marL="0" marR="0" lvl="0" indent="0" algn="l" defTabSz="914400" rtl="0" eaLnBrk="0" fontAlgn="base" latinLnBrk="0" hangingPunct="0">
+              <a:lnSpc>
+                <a:spcPct val="100000"/>
+              </a:lnSpc>
+              <a:spcBef>
+                <a:spcPct val="0"/>
+              </a:spcBef>
+              <a:spcAft>
+                <a:spcPct val="0"/>
+              </a:spcAft>
+              <a:buClrTx/>
+              <a:buSzTx/>
+              <a:buFontTx/>
+              <a:buNone/>
+              <a:tabLst/>
+            </a:pPr>
+            <a:endParaRPr kumimoji="0" lang="en-US" altLang="en-US" sz="1100" b="0" i="0" u="none" strike="noStrike" cap="none" normalizeH="0" baseline="0">
+              <a:ln>
+                <a:noFill/>
+              </a:ln>
+              <a:solidFill>
+                <a:schemeClr val="tx1"/>
+              </a:solidFill>
+              <a:effectLst/>
+              <a:latin typeface="Arial" panose="020B0604020202020204" pitchFamily="34" charset="0"/>
+              <a:cs typeface="Arial" panose="020B0604020202020204" pitchFamily="34" charset="0"/>
+            </a:endParaRPr>
+          </a:p>
+          <a:p>
+            <a:pPr algn="l"/>
+            <a:endParaRPr lang="az-Latn-AZ" sz="1100">
+              <a:solidFill>
+                <a:srgbClr val="303141"/>
+              </a:solidFill>
+              <a:latin typeface="Arial" panose="020B0604020202020204" pitchFamily="34" charset="0"/>
+              <a:cs typeface="Arial" panose="020B0604020202020204" pitchFamily="34" charset="0"/>
+            </a:endParaRPr>
+          </a:p>
+          <a:p>
+            <a:pPr>
+              <a:buNone/>
+            </a:pPr>
+            <a:r>
+              <a:rPr lang="ru-RU" sz="1100" b="1">
+                <a:latin typeface="Arial" panose="020B0604020202020204" pitchFamily="34" charset="0"/>
+                <a:cs typeface="Arial" panose="020B0604020202020204" pitchFamily="34" charset="0"/>
+              </a:rPr>
+              <a:t>🔷 8. UX сценарии (если есть прототип в Figma)</a:t>
+            </a:r>
+          </a:p>
+          <a:p>
+            <a:pPr>
+              <a:buNone/>
+            </a:pPr>
+            <a:r>
+              <a:rPr lang="ru-RU" sz="1100" b="1">
+                <a:latin typeface="Arial" panose="020B0604020202020204" pitchFamily="34" charset="0"/>
+                <a:cs typeface="Arial" panose="020B0604020202020204" pitchFamily="34" charset="0"/>
+              </a:rPr>
+              <a:t>Что проверять:</a:t>
+            </a:r>
+          </a:p>
+          <a:p>
+            <a:pPr>
+              <a:buFont typeface="Arial" panose="020B0604020202020204" pitchFamily="34" charset="0"/>
+              <a:buChar char="•"/>
+            </a:pPr>
+            <a:r>
+              <a:rPr lang="ru-RU" sz="1100">
+                <a:latin typeface="Arial" panose="020B0604020202020204" pitchFamily="34" charset="0"/>
+                <a:cs typeface="Arial" panose="020B0604020202020204" pitchFamily="34" charset="0"/>
+              </a:rPr>
+              <a:t>Совпадает ли навигация и пользовательские переходы с тем, что показано в Figma?</a:t>
+            </a:r>
+          </a:p>
+          <a:p>
+            <a:pPr>
+              <a:buFont typeface="Arial" panose="020B0604020202020204" pitchFamily="34" charset="0"/>
+              <a:buChar char="•"/>
+            </a:pPr>
+            <a:r>
+              <a:rPr lang="ru-RU" sz="1100">
+                <a:latin typeface="Arial" panose="020B0604020202020204" pitchFamily="34" charset="0"/>
+                <a:cs typeface="Arial" panose="020B0604020202020204" pitchFamily="34" charset="0"/>
+              </a:rPr>
+              <a:t>Работают ли все кликабельные элементы как ожидалось?</a:t>
+            </a:r>
+          </a:p>
+          <a:p>
+            <a:pPr>
+              <a:buFont typeface="Arial" panose="020B0604020202020204" pitchFamily="34" charset="0"/>
+              <a:buChar char="•"/>
+            </a:pPr>
+            <a:r>
+              <a:rPr lang="ru-RU" sz="1100">
+                <a:latin typeface="Arial" panose="020B0604020202020204" pitchFamily="34" charset="0"/>
+                <a:cs typeface="Arial" panose="020B0604020202020204" pitchFamily="34" charset="0"/>
+              </a:rPr>
+              <a:t>Тестирование "позитивных" и "негативных" сценариев (например, успешная и неуспешная отправка формы)</a:t>
+            </a:r>
+          </a:p>
+          <a:p>
+            <a:pPr algn="l"/>
+            <a:endParaRPr lang="az-Latn-AZ" sz="1100" b="0" i="0">
+              <a:solidFill>
+                <a:srgbClr val="303141"/>
+              </a:solidFill>
+              <a:effectLst/>
+              <a:latin typeface="Arial" panose="020B0604020202020204" pitchFamily="34" charset="0"/>
+              <a:cs typeface="Arial" panose="020B0604020202020204" pitchFamily="34" charset="0"/>
+            </a:endParaRPr>
+          </a:p>
+          <a:p>
+            <a:pPr algn="l"/>
+            <a:endParaRPr lang="az-Latn-AZ" sz="1100">
+              <a:solidFill>
+                <a:srgbClr val="303141"/>
+              </a:solidFill>
+              <a:latin typeface="Arial" panose="020B0604020202020204" pitchFamily="34" charset="0"/>
+              <a:cs typeface="Arial" panose="020B0604020202020204" pitchFamily="34" charset="0"/>
+            </a:endParaRPr>
+          </a:p>
+          <a:p>
+            <a:pPr algn="l"/>
+            <a:endParaRPr lang="az-Latn-AZ" sz="1100">
+              <a:solidFill>
+                <a:srgbClr val="303141"/>
+              </a:solidFill>
+              <a:latin typeface="Arial" panose="020B0604020202020204" pitchFamily="34" charset="0"/>
+              <a:cs typeface="Arial" panose="020B0604020202020204" pitchFamily="34" charset="0"/>
+            </a:endParaRPr>
+          </a:p>
+          <a:p>
+            <a:pPr>
+              <a:buNone/>
+            </a:pPr>
+            <a:r>
+              <a:rPr lang="ru-RU" sz="1100" b="1"/>
+              <a:t>🔷 9. Компонентная структура и переиспользование</a:t>
+            </a:r>
+          </a:p>
+          <a:p>
+            <a:pPr>
+              <a:buNone/>
+            </a:pPr>
+            <a:r>
+              <a:rPr lang="ru-RU" sz="1100" b="1"/>
+              <a:t>Что проверять:</a:t>
+            </a:r>
+          </a:p>
+          <a:p>
+            <a:pPr>
+              <a:buFont typeface="Arial" panose="020B0604020202020204" pitchFamily="34" charset="0"/>
+              <a:buChar char="•"/>
+            </a:pPr>
+            <a:r>
+              <a:rPr lang="ru-RU" sz="1100"/>
+              <a:t>Используются ли повторяющиеся компоненты одинаково, как в Figma (например, карточки, формы, кнопки)?</a:t>
+            </a:r>
+          </a:p>
+          <a:p>
+            <a:pPr>
+              <a:buFont typeface="Arial" panose="020B0604020202020204" pitchFamily="34" charset="0"/>
+              <a:buChar char="•"/>
+            </a:pPr>
+            <a:r>
+              <a:rPr lang="ru-RU" sz="1100"/>
+              <a:t>Соблюдается ли структура компонентов — есть ли переиспользуемость (DRY-принцип)?</a:t>
+            </a:r>
+          </a:p>
+          <a:p>
+            <a:pPr algn="l"/>
+            <a:endParaRPr lang="ru-RU" sz="1100" b="0" i="0">
+              <a:solidFill>
+                <a:srgbClr val="303141"/>
+              </a:solidFill>
+              <a:effectLst/>
+              <a:latin typeface="Arial" panose="020B0604020202020204" pitchFamily="34" charset="0"/>
+              <a:cs typeface="Arial" panose="020B0604020202020204" pitchFamily="34" charset="0"/>
+            </a:endParaRPr>
+          </a:p>
+        </p:txBody>
+      </p:sp>
+    </p:spTree>
+    <p:extLst>
+      <p:ext uri="{BB962C8B-B14F-4D97-AF65-F5344CB8AC3E}">
+        <p14:creationId xmlns:p14="http://schemas.microsoft.com/office/powerpoint/2010/main" val="3060558005"/>
+      </p:ext>
+    </p:extLst>
+  </p:cSld>
+  <p:clrMapOvr>
+    <a:masterClrMapping/>
+  </p:clrMapOvr>
+</p:sld>
+</file>
+
+<file path=ppt/slides/slide16.xml><?xml version="1.0" encoding="utf-8"?>
+<p:sld xmlns:a="http://schemas.openxmlformats.org/drawingml/2006/main" xmlns:r="http://schemas.openxmlformats.org/officeDocument/2006/relationships" xmlns:p="http://schemas.openxmlformats.org/presentationml/2006/main">
+  <p:cSld>
+    <p:spTree>
+      <p:nvGrpSpPr>
+        <p:cNvPr id="1" name="">
+          <a:extLst>
+            <a:ext uri="{FF2B5EF4-FFF2-40B4-BE49-F238E27FC236}">
+              <a16:creationId xmlns:a16="http://schemas.microsoft.com/office/drawing/2014/main" id="{E995FD67-B3D1-5359-8DFE-3A5341C1BBF5}"/>
+            </a:ext>
+          </a:extLst>
+        </p:cNvPr>
+        <p:cNvGrpSpPr/>
+        <p:nvPr/>
+      </p:nvGrpSpPr>
+      <p:grpSpPr>
+        <a:xfrm>
+          <a:off x="0" y="0"/>
+          <a:ext cx="0" cy="0"/>
+          <a:chOff x="0" y="0"/>
+          <a:chExt cx="0" cy="0"/>
+        </a:xfrm>
+      </p:grpSpPr>
+      <p:sp>
+        <p:nvSpPr>
+          <p:cNvPr id="3" name="TextBox 2">
+            <a:extLst>
+              <a:ext uri="{FF2B5EF4-FFF2-40B4-BE49-F238E27FC236}">
+                <a16:creationId xmlns:a16="http://schemas.microsoft.com/office/drawing/2014/main" id="{14EF4ADD-7F72-52CC-1746-6F7BC1A24D23}"/>
+              </a:ext>
+            </a:extLst>
+          </p:cNvPr>
+          <p:cNvSpPr txBox="1"/>
+          <p:nvPr/>
+        </p:nvSpPr>
+        <p:spPr>
+          <a:xfrm>
+            <a:off x="107004" y="158874"/>
+            <a:ext cx="11984477" cy="6001643"/>
+          </a:xfrm>
+          <a:prstGeom prst="rect">
+            <a:avLst/>
+          </a:prstGeom>
+          <a:noFill/>
+        </p:spPr>
+        <p:txBody>
+          <a:bodyPr wrap="square">
+            <a:spAutoFit/>
+          </a:bodyPr>
+          <a:lstStyle/>
+          <a:p>
+            <a:pPr>
+              <a:buNone/>
+            </a:pPr>
+            <a:r>
+              <a:rPr lang="ru-RU" sz="1600" b="0" i="0">
+                <a:solidFill>
+                  <a:srgbClr val="303141"/>
+                </a:solidFill>
+                <a:effectLst/>
+                <a:latin typeface="Udemy Sans"/>
+              </a:rPr>
+              <a:t> </a:t>
+            </a:r>
+            <a:r>
+              <a:rPr lang="ru-RU" sz="1600" b="1"/>
+              <a:t>🔷 10. Производительность и анимации</a:t>
+            </a:r>
+          </a:p>
+          <a:p>
+            <a:pPr>
+              <a:buNone/>
+            </a:pPr>
+            <a:r>
+              <a:rPr lang="ru-RU" sz="1600" b="1"/>
+              <a:t>Что проверять:</a:t>
+            </a:r>
+          </a:p>
+          <a:p>
+            <a:pPr marL="285750" indent="-285750">
+              <a:buFont typeface="Arial" panose="020B0604020202020204" pitchFamily="34" charset="0"/>
+              <a:buChar char="•"/>
+            </a:pPr>
+            <a:r>
+              <a:rPr lang="ru-RU" sz="1600"/>
+              <a:t>Не тормозят ли элементы при загрузке страницы?</a:t>
+            </a:r>
+          </a:p>
+          <a:p>
+            <a:pPr marL="285750" indent="-285750">
+              <a:buFont typeface="Arial" panose="020B0604020202020204" pitchFamily="34" charset="0"/>
+              <a:buChar char="•"/>
+            </a:pPr>
+            <a:r>
+              <a:rPr lang="ru-RU" sz="1600"/>
+              <a:t>Работают ли анимации (slide, fade, transitions)?</a:t>
+            </a:r>
+          </a:p>
+          <a:p>
+            <a:pPr marL="285750" indent="-285750">
+              <a:buFont typeface="Arial" panose="020B0604020202020204" pitchFamily="34" charset="0"/>
+              <a:buChar char="•"/>
+            </a:pPr>
+            <a:r>
+              <a:rPr lang="ru-RU" sz="1600"/>
+              <a:t>Ленивая загрузка (lazy load), скелетоны или лоадеры реализованы?</a:t>
+            </a:r>
+          </a:p>
+          <a:p>
+            <a:pPr marL="285750" indent="-285750" algn="l">
+              <a:buFont typeface="Arial" panose="020B0604020202020204" pitchFamily="34" charset="0"/>
+              <a:buChar char="•"/>
+            </a:pPr>
+            <a:endParaRPr lang="az-Latn-AZ" sz="1600" b="0" i="0">
+              <a:solidFill>
+                <a:srgbClr val="303141"/>
+              </a:solidFill>
+              <a:effectLst/>
+              <a:latin typeface="Udemy Sans"/>
+            </a:endParaRPr>
+          </a:p>
+          <a:p>
+            <a:pPr algn="l"/>
+            <a:endParaRPr lang="az-Latn-AZ" sz="1600">
+              <a:solidFill>
+                <a:srgbClr val="303141"/>
+              </a:solidFill>
+              <a:latin typeface="Udemy Sans"/>
+            </a:endParaRPr>
+          </a:p>
+          <a:p>
+            <a:pPr algn="l"/>
+            <a:endParaRPr lang="az-Latn-AZ" sz="1600" b="0" i="0">
+              <a:solidFill>
+                <a:srgbClr val="303141"/>
+              </a:solidFill>
+              <a:effectLst/>
+              <a:latin typeface="Udemy Sans"/>
+            </a:endParaRPr>
+          </a:p>
+          <a:p>
+            <a:pPr algn="l"/>
+            <a:endParaRPr lang="az-Latn-AZ" sz="1600" b="0" i="0">
+              <a:solidFill>
+                <a:srgbClr val="303141"/>
+              </a:solidFill>
+              <a:effectLst/>
+              <a:latin typeface="Udemy Sans"/>
+            </a:endParaRPr>
+          </a:p>
+          <a:p>
+            <a:pPr algn="l"/>
+            <a:endParaRPr lang="az-Latn-AZ" sz="1600">
+              <a:solidFill>
+                <a:srgbClr val="303141"/>
+              </a:solidFill>
+              <a:latin typeface="Udemy Sans"/>
+            </a:endParaRPr>
+          </a:p>
+          <a:p>
+            <a:pPr>
+              <a:buNone/>
+            </a:pPr>
+            <a:r>
+              <a:rPr lang="ru-RU" sz="1600" b="1"/>
+              <a:t>🧰 Полезные инструменты для QA:</a:t>
+            </a:r>
+          </a:p>
+          <a:p>
+            <a:r>
+              <a:rPr lang="ru-RU" sz="1600"/>
+              <a:t>🔧 </a:t>
+            </a:r>
+            <a:r>
+              <a:rPr lang="ru-RU" sz="1600" b="1"/>
+              <a:t>Chrome DevTools</a:t>
+            </a:r>
+            <a:r>
+              <a:rPr lang="ru-RU" sz="1600"/>
+              <a:t> – сравнение стилей, выравнивания, сетки</a:t>
+            </a:r>
+          </a:p>
+          <a:p>
+            <a:r>
+              <a:rPr lang="ru-RU" sz="1600"/>
+              <a:t>🔍 </a:t>
+            </a:r>
+            <a:r>
+              <a:rPr lang="ru-RU" sz="1600" b="1"/>
+              <a:t>PerfectPixel</a:t>
+            </a:r>
+            <a:r>
+              <a:rPr lang="ru-RU" sz="1600"/>
+              <a:t> – наложение макета</a:t>
+            </a:r>
+          </a:p>
+          <a:p>
+            <a:r>
+              <a:rPr lang="ru-RU" sz="1600"/>
+              <a:t>🚦 </a:t>
+            </a:r>
+            <a:r>
+              <a:rPr lang="ru-RU" sz="1600" b="1"/>
+              <a:t>Lighthouse</a:t>
+            </a:r>
+            <a:r>
+              <a:rPr lang="ru-RU" sz="1600"/>
+              <a:t> – базовая проверка производительности, доступности</a:t>
+            </a:r>
+          </a:p>
+          <a:p>
+            <a:r>
+              <a:rPr lang="ru-RU" sz="1600"/>
+              <a:t>✅ </a:t>
+            </a:r>
+            <a:r>
+              <a:rPr lang="ru-RU" sz="1600" b="1"/>
+              <a:t>Figma Inspect</a:t>
+            </a:r>
+            <a:r>
+              <a:rPr lang="ru-RU" sz="1600"/>
+              <a:t> – точные данные по размерам, цветам, шрифтам</a:t>
+            </a:r>
+          </a:p>
+          <a:p>
+            <a:pPr algn="l"/>
+            <a:endParaRPr lang="az-Latn-AZ" sz="1600" b="0" i="0">
+              <a:solidFill>
+                <a:srgbClr val="303141"/>
+              </a:solidFill>
+              <a:effectLst/>
+              <a:latin typeface="Udemy Sans"/>
+            </a:endParaRPr>
+          </a:p>
+          <a:p>
+            <a:pPr algn="l"/>
+            <a:endParaRPr lang="az-Latn-AZ" sz="1600">
+              <a:solidFill>
+                <a:srgbClr val="303141"/>
+              </a:solidFill>
+              <a:latin typeface="Udemy Sans"/>
+            </a:endParaRPr>
+          </a:p>
+          <a:p>
+            <a:pPr algn="l"/>
+            <a:endParaRPr lang="az-Latn-AZ" sz="1600">
+              <a:solidFill>
+                <a:srgbClr val="303141"/>
+              </a:solidFill>
+              <a:latin typeface="Udemy Sans"/>
+            </a:endParaRPr>
+          </a:p>
+          <a:p>
+            <a:pPr algn="l"/>
+            <a:endParaRPr lang="az-Latn-AZ" sz="1600" b="0" i="0">
+              <a:solidFill>
+                <a:srgbClr val="303141"/>
+              </a:solidFill>
+              <a:effectLst/>
+              <a:latin typeface="Udemy Sans"/>
+            </a:endParaRPr>
+          </a:p>
+          <a:p>
+            <a:pPr>
+              <a:buNone/>
+            </a:pPr>
+            <a:r>
+              <a:rPr lang="ru-RU" sz="1600" b="1"/>
+              <a:t>📝 Советы:</a:t>
+            </a:r>
+          </a:p>
+          <a:p>
+            <a:pPr marL="285750" indent="-285750">
+              <a:buFont typeface="Arial" panose="020B0604020202020204" pitchFamily="34" charset="0"/>
+              <a:buChar char="•"/>
+            </a:pPr>
+            <a:r>
+              <a:rPr lang="ru-RU" sz="1600"/>
+              <a:t>Сделай чек-лист в Excel/Google Sheets для каждого экрана и компонента</a:t>
+            </a:r>
+          </a:p>
+          <a:p>
+            <a:pPr marL="285750" indent="-285750">
+              <a:buFont typeface="Arial" panose="020B0604020202020204" pitchFamily="34" charset="0"/>
+              <a:buChar char="•"/>
+            </a:pPr>
+            <a:r>
+              <a:rPr lang="ru-RU" sz="1600"/>
+              <a:t>Делай скриншоты несоответствий и прикладывай ссылки на конкретный компонент в Figma</a:t>
+            </a:r>
+          </a:p>
+          <a:p>
+            <a:pPr marL="285750" indent="-285750">
+              <a:buFont typeface="Arial" panose="020B0604020202020204" pitchFamily="34" charset="0"/>
+              <a:buChar char="•"/>
+            </a:pPr>
+            <a:r>
+              <a:rPr lang="ru-RU" sz="1600"/>
+              <a:t>Всегда общайся с дизайнером — иногда разработка может требовать компромиссов</a:t>
+            </a:r>
+          </a:p>
+          <a:p>
+            <a:pPr algn="l"/>
+            <a:endParaRPr lang="ru-RU" sz="1600" b="0" i="0">
+              <a:solidFill>
+                <a:srgbClr val="303141"/>
+              </a:solidFill>
+              <a:effectLst/>
+              <a:latin typeface="Udemy Sans"/>
+            </a:endParaRPr>
+          </a:p>
+        </p:txBody>
+      </p:sp>
+    </p:spTree>
+    <p:extLst>
+      <p:ext uri="{BB962C8B-B14F-4D97-AF65-F5344CB8AC3E}">
+        <p14:creationId xmlns:p14="http://schemas.microsoft.com/office/powerpoint/2010/main" val="1188004720"/>
+      </p:ext>
+    </p:extLst>
+  </p:cSld>
+  <p:clrMapOvr>
+    <a:masterClrMapping/>
+  </p:clrMapOvr>
+</p:sld>
+</file>
+
+<file path=ppt/slides/slide17.xml><?xml version="1.0" encoding="utf-8"?>
+<p:sld xmlns:a="http://schemas.openxmlformats.org/drawingml/2006/main" xmlns:r="http://schemas.openxmlformats.org/officeDocument/2006/relationships" xmlns:p="http://schemas.openxmlformats.org/presentationml/2006/main">
+  <p:cSld>
+    <p:spTree>
+      <p:nvGrpSpPr>
+        <p:cNvPr id="1" name="">
+          <a:extLst>
+            <a:ext uri="{FF2B5EF4-FFF2-40B4-BE49-F238E27FC236}">
+              <a16:creationId xmlns:a16="http://schemas.microsoft.com/office/drawing/2014/main" id="{EC02F675-BEF6-B86A-FE4E-EAFB92B17198}"/>
+            </a:ext>
+          </a:extLst>
+        </p:cNvPr>
+        <p:cNvGrpSpPr/>
+        <p:nvPr/>
+      </p:nvGrpSpPr>
+      <p:grpSpPr>
+        <a:xfrm>
+          <a:off x="0" y="0"/>
+          <a:ext cx="0" cy="0"/>
+          <a:chOff x="0" y="0"/>
+          <a:chExt cx="0" cy="0"/>
+        </a:xfrm>
+      </p:grpSpPr>
+      <p:sp>
+        <p:nvSpPr>
+          <p:cNvPr id="3" name="TextBox 2">
+            <a:extLst>
+              <a:ext uri="{FF2B5EF4-FFF2-40B4-BE49-F238E27FC236}">
+                <a16:creationId xmlns:a16="http://schemas.microsoft.com/office/drawing/2014/main" id="{27DE3008-264C-7717-6FBD-96917518858E}"/>
+              </a:ext>
+            </a:extLst>
+          </p:cNvPr>
+          <p:cNvSpPr txBox="1"/>
+          <p:nvPr/>
+        </p:nvSpPr>
+        <p:spPr>
+          <a:xfrm>
+            <a:off x="107004" y="158874"/>
             <a:ext cx="11984477" cy="338554"/>
           </a:xfrm>
           <a:prstGeom prst="rect">
@@ -6307,7 +8494,7 @@
     </p:spTree>
     <p:extLst>
       <p:ext uri="{BB962C8B-B14F-4D97-AF65-F5344CB8AC3E}">
-        <p14:creationId xmlns:p14="http://schemas.microsoft.com/office/powerpoint/2010/main" val="580379683"/>
+        <p14:creationId xmlns:p14="http://schemas.microsoft.com/office/powerpoint/2010/main" val="1651642938"/>
       </p:ext>
     </p:extLst>
   </p:cSld>
